--- a/Presentations/L4-5-Group 11-Second presentation.pptx
+++ b/Presentations/L4-5-Group 11-Second presentation.pptx
@@ -4,6 +4,9 @@
   <p:sldMasterIdLst>
     <p:sldMasterId id="2147483648" r:id="rId1"/>
   </p:sldMasterIdLst>
+  <p:notesMasterIdLst>
+    <p:notesMasterId r:id="rId13"/>
+  </p:notesMasterIdLst>
   <p:sldIdLst>
     <p:sldId id="256" r:id="rId2"/>
     <p:sldId id="257" r:id="rId3"/>
@@ -13,8 +16,9 @@
     <p:sldId id="261" r:id="rId7"/>
     <p:sldId id="260" r:id="rId8"/>
     <p:sldId id="264" r:id="rId9"/>
-    <p:sldId id="265" r:id="rId10"/>
-    <p:sldId id="262" r:id="rId11"/>
+    <p:sldId id="266" r:id="rId10"/>
+    <p:sldId id="265" r:id="rId11"/>
+    <p:sldId id="262" r:id="rId12"/>
   </p:sldIdLst>
   <p:sldSz cx="12192000" cy="6858000"/>
   <p:notesSz cx="6858000" cy="9144000"/>
@@ -115,10 +119,1538 @@
   </p:defaultTextStyle>
   <p:extLst>
     <p:ext uri="{EFAFB233-063F-42B5-8137-9DF3F51BA10A}">
-      <p15:sldGuideLst xmlns:p15="http://schemas.microsoft.com/office/powerpoint/2012/main"/>
+      <p15:sldGuideLst xmlns="" xmlns:p15="http://schemas.microsoft.com/office/powerpoint/2012/main"/>
     </p:ext>
   </p:extLst>
 </p:presentation>
+</file>
+
+<file path=ppt/charts/chart1.xml><?xml version="1.0" encoding="utf-8"?>
+<c:chartSpace xmlns:c="http://schemas.openxmlformats.org/drawingml/2006/chart" xmlns:a="http://schemas.openxmlformats.org/drawingml/2006/main" xmlns:r="http://schemas.openxmlformats.org/officeDocument/2006/relationships">
+  <c:lang val="en-GB"/>
+  <c:chart>
+    <c:title>
+      <c:layout/>
+    </c:title>
+    <c:plotArea>
+      <c:layout/>
+      <c:pieChart>
+        <c:varyColors val="1"/>
+        <c:ser>
+          <c:idx val="0"/>
+          <c:order val="0"/>
+          <c:tx>
+            <c:strRef>
+              <c:f>Sheet1!$B$1</c:f>
+              <c:strCache>
+                <c:ptCount val="1"/>
+                <c:pt idx="0">
+                  <c:v>Work Done</c:v>
+                </c:pt>
+              </c:strCache>
+            </c:strRef>
+          </c:tx>
+          <c:dLbls>
+            <c:dLbl>
+              <c:idx val="2"/>
+              <c:layout>
+                <c:manualLayout>
+                  <c:x val="0.19177527973476999"/>
+                  <c:y val="8.8945991141959543E-2"/>
+                </c:manualLayout>
+              </c:layout>
+              <c:showCatName val="1"/>
+              <c:showPercent val="1"/>
+            </c:dLbl>
+            <c:showCatName val="1"/>
+            <c:showPercent val="1"/>
+            <c:showLeaderLines val="1"/>
+          </c:dLbls>
+          <c:cat>
+            <c:strRef>
+              <c:f>Sheet1!$A$2:$A$4</c:f>
+              <c:strCache>
+                <c:ptCount val="3"/>
+                <c:pt idx="0">
+                  <c:v>Tom</c:v>
+                </c:pt>
+                <c:pt idx="1">
+                  <c:v>Jordan</c:v>
+                </c:pt>
+                <c:pt idx="2">
+                  <c:v>Mark</c:v>
+                </c:pt>
+              </c:strCache>
+            </c:strRef>
+          </c:cat>
+          <c:val>
+            <c:numRef>
+              <c:f>Sheet1!$B$2:$B$4</c:f>
+              <c:numCache>
+                <c:formatCode>General</c:formatCode>
+                <c:ptCount val="3"/>
+                <c:pt idx="0">
+                  <c:v>30</c:v>
+                </c:pt>
+                <c:pt idx="1">
+                  <c:v>26</c:v>
+                </c:pt>
+                <c:pt idx="2">
+                  <c:v>0</c:v>
+                </c:pt>
+              </c:numCache>
+            </c:numRef>
+          </c:val>
+        </c:ser>
+        <c:dLbls>
+          <c:showCatName val="1"/>
+          <c:showPercent val="1"/>
+        </c:dLbls>
+        <c:firstSliceAng val="0"/>
+      </c:pieChart>
+    </c:plotArea>
+    <c:plotVisOnly val="1"/>
+  </c:chart>
+  <c:txPr>
+    <a:bodyPr/>
+    <a:lstStyle/>
+    <a:p>
+      <a:pPr>
+        <a:defRPr sz="1800"/>
+      </a:pPr>
+      <a:endParaRPr lang="en-US"/>
+    </a:p>
+  </c:txPr>
+  <c:externalData r:id="rId1"/>
+</c:chartSpace>
+</file>
+
+<file path=ppt/charts/chart2.xml><?xml version="1.0" encoding="utf-8"?>
+<c:chartSpace xmlns:c="http://schemas.openxmlformats.org/drawingml/2006/chart" xmlns:a="http://schemas.openxmlformats.org/drawingml/2006/main" xmlns:r="http://schemas.openxmlformats.org/officeDocument/2006/relationships">
+  <c:date1904 val="1"/>
+  <c:lang val="en-GB"/>
+  <c:chart>
+    <c:title>
+      <c:tx>
+        <c:rich>
+          <a:bodyPr/>
+          <a:lstStyle/>
+          <a:p>
+            <a:pPr>
+              <a:defRPr/>
+            </a:pPr>
+            <a:r>
+              <a:rPr lang="en-US" dirty="0" smtClean="0"/>
+              <a:t>Emails</a:t>
+            </a:r>
+          </a:p>
+        </c:rich>
+      </c:tx>
+      <c:layout/>
+    </c:title>
+    <c:plotArea>
+      <c:layout/>
+      <c:pieChart>
+        <c:varyColors val="1"/>
+        <c:ser>
+          <c:idx val="0"/>
+          <c:order val="0"/>
+          <c:tx>
+            <c:strRef>
+              <c:f>Sheet1!$B$1</c:f>
+              <c:strCache>
+                <c:ptCount val="1"/>
+                <c:pt idx="0">
+                  <c:v>Sales</c:v>
+                </c:pt>
+              </c:strCache>
+            </c:strRef>
+          </c:tx>
+          <c:dLbls>
+            <c:dLbl>
+              <c:idx val="2"/>
+              <c:layout>
+                <c:manualLayout>
+                  <c:x val="-0.18198541938813212"/>
+                  <c:y val="7.0995252982922891E-2"/>
+                </c:manualLayout>
+              </c:layout>
+              <c:showCatName val="1"/>
+              <c:showPercent val="1"/>
+            </c:dLbl>
+            <c:showCatName val="1"/>
+            <c:showPercent val="1"/>
+            <c:showLeaderLines val="1"/>
+          </c:dLbls>
+          <c:cat>
+            <c:strRef>
+              <c:f>Sheet1!$A$2:$A$4</c:f>
+              <c:strCache>
+                <c:ptCount val="3"/>
+                <c:pt idx="0">
+                  <c:v>Tom</c:v>
+                </c:pt>
+                <c:pt idx="1">
+                  <c:v>Jordan</c:v>
+                </c:pt>
+                <c:pt idx="2">
+                  <c:v>Mark</c:v>
+                </c:pt>
+              </c:strCache>
+            </c:strRef>
+          </c:cat>
+          <c:val>
+            <c:numRef>
+              <c:f>Sheet1!$B$2:$B$4</c:f>
+              <c:numCache>
+                <c:formatCode>General</c:formatCode>
+                <c:ptCount val="3"/>
+                <c:pt idx="0">
+                  <c:v>36</c:v>
+                </c:pt>
+                <c:pt idx="1">
+                  <c:v>27</c:v>
+                </c:pt>
+                <c:pt idx="2">
+                  <c:v>1</c:v>
+                </c:pt>
+              </c:numCache>
+            </c:numRef>
+          </c:val>
+        </c:ser>
+        <c:dLbls>
+          <c:showCatName val="1"/>
+          <c:showPercent val="1"/>
+        </c:dLbls>
+        <c:firstSliceAng val="0"/>
+      </c:pieChart>
+    </c:plotArea>
+    <c:plotVisOnly val="1"/>
+  </c:chart>
+  <c:txPr>
+    <a:bodyPr/>
+    <a:lstStyle/>
+    <a:p>
+      <a:pPr>
+        <a:defRPr sz="1800"/>
+      </a:pPr>
+      <a:endParaRPr lang="en-US"/>
+    </a:p>
+  </c:txPr>
+  <c:externalData r:id="rId1"/>
+</c:chartSpace>
+</file>
+
+<file path=ppt/notesMasters/notesMaster1.xml><?xml version="1.0" encoding="utf-8"?>
+<p:notesMaster xmlns:a="http://schemas.openxmlformats.org/drawingml/2006/main" xmlns:r="http://schemas.openxmlformats.org/officeDocument/2006/relationships" xmlns:p="http://schemas.openxmlformats.org/presentationml/2006/main">
+  <p:cSld>
+    <p:bg>
+      <p:bgRef idx="1001">
+        <a:schemeClr val="bg1"/>
+      </p:bgRef>
+    </p:bg>
+    <p:spTree>
+      <p:nvGrpSpPr>
+        <p:cNvPr id="1" name=""/>
+        <p:cNvGrpSpPr/>
+        <p:nvPr/>
+      </p:nvGrpSpPr>
+      <p:grpSpPr>
+        <a:xfrm>
+          <a:off x="0" y="0"/>
+          <a:ext cx="0" cy="0"/>
+          <a:chOff x="0" y="0"/>
+          <a:chExt cx="0" cy="0"/>
+        </a:xfrm>
+      </p:grpSpPr>
+      <p:sp>
+        <p:nvSpPr>
+          <p:cNvPr id="2" name="Header Placeholder 1"/>
+          <p:cNvSpPr>
+            <a:spLocks noGrp="1"/>
+          </p:cNvSpPr>
+          <p:nvPr>
+            <p:ph type="hdr" sz="quarter"/>
+          </p:nvPr>
+        </p:nvSpPr>
+        <p:spPr>
+          <a:xfrm>
+            <a:off x="0" y="0"/>
+            <a:ext cx="2971800" cy="458788"/>
+          </a:xfrm>
+          <a:prstGeom prst="rect">
+            <a:avLst/>
+          </a:prstGeom>
+        </p:spPr>
+        <p:txBody>
+          <a:bodyPr vert="horz" lIns="91440" tIns="45720" rIns="91440" bIns="45720" rtlCol="0"/>
+          <a:lstStyle>
+            <a:lvl1pPr algn="l">
+              <a:defRPr sz="1200"/>
+            </a:lvl1pPr>
+          </a:lstStyle>
+          <a:p>
+            <a:endParaRPr lang="en-GB"/>
+          </a:p>
+        </p:txBody>
+      </p:sp>
+      <p:sp>
+        <p:nvSpPr>
+          <p:cNvPr id="3" name="Date Placeholder 2"/>
+          <p:cNvSpPr>
+            <a:spLocks noGrp="1"/>
+          </p:cNvSpPr>
+          <p:nvPr>
+            <p:ph type="dt" idx="1"/>
+          </p:nvPr>
+        </p:nvSpPr>
+        <p:spPr>
+          <a:xfrm>
+            <a:off x="3884613" y="0"/>
+            <a:ext cx="2971800" cy="458788"/>
+          </a:xfrm>
+          <a:prstGeom prst="rect">
+            <a:avLst/>
+          </a:prstGeom>
+        </p:spPr>
+        <p:txBody>
+          <a:bodyPr vert="horz" lIns="91440" tIns="45720" rIns="91440" bIns="45720" rtlCol="0"/>
+          <a:lstStyle>
+            <a:lvl1pPr algn="r">
+              <a:defRPr sz="1200"/>
+            </a:lvl1pPr>
+          </a:lstStyle>
+          <a:p>
+            <a:fld id="{BE2C78B1-AD99-4CF2-A441-F72FE0567E15}" type="datetimeFigureOut">
+              <a:rPr lang="en-GB" smtClean="0"/>
+              <a:pPr/>
+              <a:t>16/11/2016</a:t>
+            </a:fld>
+            <a:endParaRPr lang="en-GB"/>
+          </a:p>
+        </p:txBody>
+      </p:sp>
+      <p:sp>
+        <p:nvSpPr>
+          <p:cNvPr id="4" name="Slide Image Placeholder 3"/>
+          <p:cNvSpPr>
+            <a:spLocks noGrp="1" noRot="1" noChangeAspect="1"/>
+          </p:cNvSpPr>
+          <p:nvPr>
+            <p:ph type="sldImg" idx="2"/>
+          </p:nvPr>
+        </p:nvSpPr>
+        <p:spPr>
+          <a:xfrm>
+            <a:off x="685800" y="1143000"/>
+            <a:ext cx="5486400" cy="3086100"/>
+          </a:xfrm>
+          <a:prstGeom prst="rect">
+            <a:avLst/>
+          </a:prstGeom>
+          <a:noFill/>
+          <a:ln w="12700">
+            <a:solidFill>
+              <a:prstClr val="black"/>
+            </a:solidFill>
+          </a:ln>
+        </p:spPr>
+        <p:txBody>
+          <a:bodyPr vert="horz" lIns="91440" tIns="45720" rIns="91440" bIns="45720" rtlCol="0" anchor="ctr"/>
+          <a:lstStyle/>
+          <a:p>
+            <a:endParaRPr lang="en-GB"/>
+          </a:p>
+        </p:txBody>
+      </p:sp>
+      <p:sp>
+        <p:nvSpPr>
+          <p:cNvPr id="5" name="Notes Placeholder 4"/>
+          <p:cNvSpPr>
+            <a:spLocks noGrp="1"/>
+          </p:cNvSpPr>
+          <p:nvPr>
+            <p:ph type="body" sz="quarter" idx="3"/>
+          </p:nvPr>
+        </p:nvSpPr>
+        <p:spPr>
+          <a:xfrm>
+            <a:off x="685800" y="4400550"/>
+            <a:ext cx="5486400" cy="3600450"/>
+          </a:xfrm>
+          <a:prstGeom prst="rect">
+            <a:avLst/>
+          </a:prstGeom>
+        </p:spPr>
+        <p:txBody>
+          <a:bodyPr vert="horz" lIns="91440" tIns="45720" rIns="91440" bIns="45720" rtlCol="0"/>
+          <a:lstStyle/>
+          <a:p>
+            <a:pPr lvl="0"/>
+            <a:r>
+              <a:rPr lang="en-US"/>
+              <a:t>Edit Master text styles</a:t>
+            </a:r>
+          </a:p>
+          <a:p>
+            <a:pPr lvl="1"/>
+            <a:r>
+              <a:rPr lang="en-US"/>
+              <a:t>Second level</a:t>
+            </a:r>
+          </a:p>
+          <a:p>
+            <a:pPr lvl="2"/>
+            <a:r>
+              <a:rPr lang="en-US"/>
+              <a:t>Third level</a:t>
+            </a:r>
+          </a:p>
+          <a:p>
+            <a:pPr lvl="3"/>
+            <a:r>
+              <a:rPr lang="en-US"/>
+              <a:t>Fourth level</a:t>
+            </a:r>
+          </a:p>
+          <a:p>
+            <a:pPr lvl="4"/>
+            <a:r>
+              <a:rPr lang="en-US"/>
+              <a:t>Fifth level</a:t>
+            </a:r>
+            <a:endParaRPr lang="en-GB"/>
+          </a:p>
+        </p:txBody>
+      </p:sp>
+      <p:sp>
+        <p:nvSpPr>
+          <p:cNvPr id="6" name="Footer Placeholder 5"/>
+          <p:cNvSpPr>
+            <a:spLocks noGrp="1"/>
+          </p:cNvSpPr>
+          <p:nvPr>
+            <p:ph type="ftr" sz="quarter" idx="4"/>
+          </p:nvPr>
+        </p:nvSpPr>
+        <p:spPr>
+          <a:xfrm>
+            <a:off x="0" y="8685213"/>
+            <a:ext cx="2971800" cy="458787"/>
+          </a:xfrm>
+          <a:prstGeom prst="rect">
+            <a:avLst/>
+          </a:prstGeom>
+        </p:spPr>
+        <p:txBody>
+          <a:bodyPr vert="horz" lIns="91440" tIns="45720" rIns="91440" bIns="45720" rtlCol="0" anchor="b"/>
+          <a:lstStyle>
+            <a:lvl1pPr algn="l">
+              <a:defRPr sz="1200"/>
+            </a:lvl1pPr>
+          </a:lstStyle>
+          <a:p>
+            <a:endParaRPr lang="en-GB"/>
+          </a:p>
+        </p:txBody>
+      </p:sp>
+      <p:sp>
+        <p:nvSpPr>
+          <p:cNvPr id="7" name="Slide Number Placeholder 6"/>
+          <p:cNvSpPr>
+            <a:spLocks noGrp="1"/>
+          </p:cNvSpPr>
+          <p:nvPr>
+            <p:ph type="sldNum" sz="quarter" idx="5"/>
+          </p:nvPr>
+        </p:nvSpPr>
+        <p:spPr>
+          <a:xfrm>
+            <a:off x="3884613" y="8685213"/>
+            <a:ext cx="2971800" cy="458787"/>
+          </a:xfrm>
+          <a:prstGeom prst="rect">
+            <a:avLst/>
+          </a:prstGeom>
+        </p:spPr>
+        <p:txBody>
+          <a:bodyPr vert="horz" lIns="91440" tIns="45720" rIns="91440" bIns="45720" rtlCol="0" anchor="b"/>
+          <a:lstStyle>
+            <a:lvl1pPr algn="r">
+              <a:defRPr sz="1200"/>
+            </a:lvl1pPr>
+          </a:lstStyle>
+          <a:p>
+            <a:fld id="{84F7E62D-E9F9-4D66-926D-6747D187D21E}" type="slidenum">
+              <a:rPr lang="en-GB" smtClean="0"/>
+              <a:pPr/>
+              <a:t>‹#›</a:t>
+            </a:fld>
+            <a:endParaRPr lang="en-GB"/>
+          </a:p>
+        </p:txBody>
+      </p:sp>
+    </p:spTree>
+    <p:extLst>
+      <p:ext uri="{BB962C8B-B14F-4D97-AF65-F5344CB8AC3E}">
+        <p14:creationId xmlns="" xmlns:p14="http://schemas.microsoft.com/office/powerpoint/2010/main" val="2905278191"/>
+      </p:ext>
+    </p:extLst>
+  </p:cSld>
+  <p:clrMap bg1="lt1" tx1="dk1" bg2="lt2" tx2="dk2" accent1="accent1" accent2="accent2" accent3="accent3" accent4="accent4" accent5="accent5" accent6="accent6" hlink="hlink" folHlink="folHlink"/>
+  <p:notesStyle>
+    <a:lvl1pPr marL="0" algn="l" defTabSz="914400" rtl="0" eaLnBrk="1" latinLnBrk="0" hangingPunct="1">
+      <a:defRPr sz="1200" kern="1200">
+        <a:solidFill>
+          <a:schemeClr val="tx1"/>
+        </a:solidFill>
+        <a:latin typeface="+mn-lt"/>
+        <a:ea typeface="+mn-ea"/>
+        <a:cs typeface="+mn-cs"/>
+      </a:defRPr>
+    </a:lvl1pPr>
+    <a:lvl2pPr marL="457200" algn="l" defTabSz="914400" rtl="0" eaLnBrk="1" latinLnBrk="0" hangingPunct="1">
+      <a:defRPr sz="1200" kern="1200">
+        <a:solidFill>
+          <a:schemeClr val="tx1"/>
+        </a:solidFill>
+        <a:latin typeface="+mn-lt"/>
+        <a:ea typeface="+mn-ea"/>
+        <a:cs typeface="+mn-cs"/>
+      </a:defRPr>
+    </a:lvl2pPr>
+    <a:lvl3pPr marL="914400" algn="l" defTabSz="914400" rtl="0" eaLnBrk="1" latinLnBrk="0" hangingPunct="1">
+      <a:defRPr sz="1200" kern="1200">
+        <a:solidFill>
+          <a:schemeClr val="tx1"/>
+        </a:solidFill>
+        <a:latin typeface="+mn-lt"/>
+        <a:ea typeface="+mn-ea"/>
+        <a:cs typeface="+mn-cs"/>
+      </a:defRPr>
+    </a:lvl3pPr>
+    <a:lvl4pPr marL="1371600" algn="l" defTabSz="914400" rtl="0" eaLnBrk="1" latinLnBrk="0" hangingPunct="1">
+      <a:defRPr sz="1200" kern="1200">
+        <a:solidFill>
+          <a:schemeClr val="tx1"/>
+        </a:solidFill>
+        <a:latin typeface="+mn-lt"/>
+        <a:ea typeface="+mn-ea"/>
+        <a:cs typeface="+mn-cs"/>
+      </a:defRPr>
+    </a:lvl4pPr>
+    <a:lvl5pPr marL="1828800" algn="l" defTabSz="914400" rtl="0" eaLnBrk="1" latinLnBrk="0" hangingPunct="1">
+      <a:defRPr sz="1200" kern="1200">
+        <a:solidFill>
+          <a:schemeClr val="tx1"/>
+        </a:solidFill>
+        <a:latin typeface="+mn-lt"/>
+        <a:ea typeface="+mn-ea"/>
+        <a:cs typeface="+mn-cs"/>
+      </a:defRPr>
+    </a:lvl5pPr>
+    <a:lvl6pPr marL="2286000" algn="l" defTabSz="914400" rtl="0" eaLnBrk="1" latinLnBrk="0" hangingPunct="1">
+      <a:defRPr sz="1200" kern="1200">
+        <a:solidFill>
+          <a:schemeClr val="tx1"/>
+        </a:solidFill>
+        <a:latin typeface="+mn-lt"/>
+        <a:ea typeface="+mn-ea"/>
+        <a:cs typeface="+mn-cs"/>
+      </a:defRPr>
+    </a:lvl6pPr>
+    <a:lvl7pPr marL="2743200" algn="l" defTabSz="914400" rtl="0" eaLnBrk="1" latinLnBrk="0" hangingPunct="1">
+      <a:defRPr sz="1200" kern="1200">
+        <a:solidFill>
+          <a:schemeClr val="tx1"/>
+        </a:solidFill>
+        <a:latin typeface="+mn-lt"/>
+        <a:ea typeface="+mn-ea"/>
+        <a:cs typeface="+mn-cs"/>
+      </a:defRPr>
+    </a:lvl7pPr>
+    <a:lvl8pPr marL="3200400" algn="l" defTabSz="914400" rtl="0" eaLnBrk="1" latinLnBrk="0" hangingPunct="1">
+      <a:defRPr sz="1200" kern="1200">
+        <a:solidFill>
+          <a:schemeClr val="tx1"/>
+        </a:solidFill>
+        <a:latin typeface="+mn-lt"/>
+        <a:ea typeface="+mn-ea"/>
+        <a:cs typeface="+mn-cs"/>
+      </a:defRPr>
+    </a:lvl8pPr>
+    <a:lvl9pPr marL="3657600" algn="l" defTabSz="914400" rtl="0" eaLnBrk="1" latinLnBrk="0" hangingPunct="1">
+      <a:defRPr sz="1200" kern="1200">
+        <a:solidFill>
+          <a:schemeClr val="tx1"/>
+        </a:solidFill>
+        <a:latin typeface="+mn-lt"/>
+        <a:ea typeface="+mn-ea"/>
+        <a:cs typeface="+mn-cs"/>
+      </a:defRPr>
+    </a:lvl9pPr>
+  </p:notesStyle>
+</p:notesMaster>
+</file>
+
+<file path=ppt/notesSlides/notesSlide1.xml><?xml version="1.0" encoding="utf-8"?>
+<p:notes xmlns:a="http://schemas.openxmlformats.org/drawingml/2006/main" xmlns:r="http://schemas.openxmlformats.org/officeDocument/2006/relationships" xmlns:p="http://schemas.openxmlformats.org/presentationml/2006/main">
+  <p:cSld>
+    <p:spTree>
+      <p:nvGrpSpPr>
+        <p:cNvPr id="1" name=""/>
+        <p:cNvGrpSpPr/>
+        <p:nvPr/>
+      </p:nvGrpSpPr>
+      <p:grpSpPr>
+        <a:xfrm>
+          <a:off x="0" y="0"/>
+          <a:ext cx="0" cy="0"/>
+          <a:chOff x="0" y="0"/>
+          <a:chExt cx="0" cy="0"/>
+        </a:xfrm>
+      </p:grpSpPr>
+      <p:sp>
+        <p:nvSpPr>
+          <p:cNvPr id="2" name="Slide Image Placeholder 1"/>
+          <p:cNvSpPr>
+            <a:spLocks noGrp="1" noRot="1" noChangeAspect="1"/>
+          </p:cNvSpPr>
+          <p:nvPr>
+            <p:ph type="sldImg"/>
+          </p:nvPr>
+        </p:nvSpPr>
+        <p:spPr/>
+      </p:sp>
+      <p:sp>
+        <p:nvSpPr>
+          <p:cNvPr id="3" name="Notes Placeholder 2"/>
+          <p:cNvSpPr>
+            <a:spLocks noGrp="1"/>
+          </p:cNvSpPr>
+          <p:nvPr>
+            <p:ph type="body" idx="1"/>
+          </p:nvPr>
+        </p:nvSpPr>
+        <p:spPr/>
+        <p:txBody>
+          <a:bodyPr>
+            <a:normAutofit/>
+          </a:bodyPr>
+          <a:lstStyle/>
+          <a:p>
+            <a:endParaRPr lang="en-GB" dirty="0"/>
+          </a:p>
+        </p:txBody>
+      </p:sp>
+      <p:sp>
+        <p:nvSpPr>
+          <p:cNvPr id="4" name="Slide Number Placeholder 3"/>
+          <p:cNvSpPr>
+            <a:spLocks noGrp="1"/>
+          </p:cNvSpPr>
+          <p:nvPr>
+            <p:ph type="sldNum" sz="quarter" idx="10"/>
+          </p:nvPr>
+        </p:nvSpPr>
+        <p:spPr/>
+        <p:txBody>
+          <a:bodyPr/>
+          <a:lstStyle/>
+          <a:p>
+            <a:fld id="{84F7E62D-E9F9-4D66-926D-6747D187D21E}" type="slidenum">
+              <a:rPr lang="en-GB" smtClean="0"/>
+              <a:pPr/>
+              <a:t>1</a:t>
+            </a:fld>
+            <a:endParaRPr lang="en-GB"/>
+          </a:p>
+        </p:txBody>
+      </p:sp>
+    </p:spTree>
+  </p:cSld>
+  <p:clrMapOvr>
+    <a:masterClrMapping/>
+  </p:clrMapOvr>
+</p:notes>
+</file>
+
+<file path=ppt/notesSlides/notesSlide10.xml><?xml version="1.0" encoding="utf-8"?>
+<p:notes xmlns:a="http://schemas.openxmlformats.org/drawingml/2006/main" xmlns:r="http://schemas.openxmlformats.org/officeDocument/2006/relationships" xmlns:p="http://schemas.openxmlformats.org/presentationml/2006/main">
+  <p:cSld>
+    <p:spTree>
+      <p:nvGrpSpPr>
+        <p:cNvPr id="1" name=""/>
+        <p:cNvGrpSpPr/>
+        <p:nvPr/>
+      </p:nvGrpSpPr>
+      <p:grpSpPr>
+        <a:xfrm>
+          <a:off x="0" y="0"/>
+          <a:ext cx="0" cy="0"/>
+          <a:chOff x="0" y="0"/>
+          <a:chExt cx="0" cy="0"/>
+        </a:xfrm>
+      </p:grpSpPr>
+      <p:sp>
+        <p:nvSpPr>
+          <p:cNvPr id="2" name="Slide Image Placeholder 1"/>
+          <p:cNvSpPr>
+            <a:spLocks noGrp="1" noRot="1" noChangeAspect="1"/>
+          </p:cNvSpPr>
+          <p:nvPr>
+            <p:ph type="sldImg"/>
+          </p:nvPr>
+        </p:nvSpPr>
+        <p:spPr/>
+      </p:sp>
+      <p:sp>
+        <p:nvSpPr>
+          <p:cNvPr id="3" name="Notes Placeholder 2"/>
+          <p:cNvSpPr>
+            <a:spLocks noGrp="1"/>
+          </p:cNvSpPr>
+          <p:nvPr>
+            <p:ph type="body" idx="1"/>
+          </p:nvPr>
+        </p:nvSpPr>
+        <p:spPr/>
+        <p:txBody>
+          <a:bodyPr/>
+          <a:lstStyle/>
+          <a:p>
+            <a:r>
+              <a:rPr lang="en-GB" dirty="0"/>
+              <a:t>Both</a:t>
+            </a:r>
+          </a:p>
+        </p:txBody>
+      </p:sp>
+      <p:sp>
+        <p:nvSpPr>
+          <p:cNvPr id="4" name="Slide Number Placeholder 3"/>
+          <p:cNvSpPr>
+            <a:spLocks noGrp="1"/>
+          </p:cNvSpPr>
+          <p:nvPr>
+            <p:ph type="sldNum" sz="quarter" idx="10"/>
+          </p:nvPr>
+        </p:nvSpPr>
+        <p:spPr/>
+        <p:txBody>
+          <a:bodyPr/>
+          <a:lstStyle/>
+          <a:p>
+            <a:fld id="{84F7E62D-E9F9-4D66-926D-6747D187D21E}" type="slidenum">
+              <a:rPr lang="en-GB" smtClean="0"/>
+              <a:pPr/>
+              <a:t>10</a:t>
+            </a:fld>
+            <a:endParaRPr lang="en-GB"/>
+          </a:p>
+        </p:txBody>
+      </p:sp>
+    </p:spTree>
+    <p:extLst>
+      <p:ext uri="{BB962C8B-B14F-4D97-AF65-F5344CB8AC3E}">
+        <p14:creationId xmlns="" xmlns:p14="http://schemas.microsoft.com/office/powerpoint/2010/main" val="1666986826"/>
+      </p:ext>
+    </p:extLst>
+  </p:cSld>
+  <p:clrMapOvr>
+    <a:masterClrMapping/>
+  </p:clrMapOvr>
+</p:notes>
+</file>
+
+<file path=ppt/notesSlides/notesSlide11.xml><?xml version="1.0" encoding="utf-8"?>
+<p:notes xmlns:a="http://schemas.openxmlformats.org/drawingml/2006/main" xmlns:r="http://schemas.openxmlformats.org/officeDocument/2006/relationships" xmlns:p="http://schemas.openxmlformats.org/presentationml/2006/main">
+  <p:cSld>
+    <p:spTree>
+      <p:nvGrpSpPr>
+        <p:cNvPr id="1" name=""/>
+        <p:cNvGrpSpPr/>
+        <p:nvPr/>
+      </p:nvGrpSpPr>
+      <p:grpSpPr>
+        <a:xfrm>
+          <a:off x="0" y="0"/>
+          <a:ext cx="0" cy="0"/>
+          <a:chOff x="0" y="0"/>
+          <a:chExt cx="0" cy="0"/>
+        </a:xfrm>
+      </p:grpSpPr>
+      <p:sp>
+        <p:nvSpPr>
+          <p:cNvPr id="2" name="Slide Image Placeholder 1"/>
+          <p:cNvSpPr>
+            <a:spLocks noGrp="1" noRot="1" noChangeAspect="1"/>
+          </p:cNvSpPr>
+          <p:nvPr>
+            <p:ph type="sldImg"/>
+          </p:nvPr>
+        </p:nvSpPr>
+        <p:spPr/>
+      </p:sp>
+      <p:sp>
+        <p:nvSpPr>
+          <p:cNvPr id="3" name="Notes Placeholder 2"/>
+          <p:cNvSpPr>
+            <a:spLocks noGrp="1"/>
+          </p:cNvSpPr>
+          <p:nvPr>
+            <p:ph type="body" idx="1"/>
+          </p:nvPr>
+        </p:nvSpPr>
+        <p:spPr/>
+        <p:txBody>
+          <a:bodyPr/>
+          <a:lstStyle/>
+          <a:p>
+            <a:endParaRPr lang="en-GB" dirty="0"/>
+          </a:p>
+        </p:txBody>
+      </p:sp>
+      <p:sp>
+        <p:nvSpPr>
+          <p:cNvPr id="4" name="Slide Number Placeholder 3"/>
+          <p:cNvSpPr>
+            <a:spLocks noGrp="1"/>
+          </p:cNvSpPr>
+          <p:nvPr>
+            <p:ph type="sldNum" sz="quarter" idx="10"/>
+          </p:nvPr>
+        </p:nvSpPr>
+        <p:spPr/>
+        <p:txBody>
+          <a:bodyPr/>
+          <a:lstStyle/>
+          <a:p>
+            <a:fld id="{84F7E62D-E9F9-4D66-926D-6747D187D21E}" type="slidenum">
+              <a:rPr lang="en-GB" smtClean="0"/>
+              <a:pPr/>
+              <a:t>11</a:t>
+            </a:fld>
+            <a:endParaRPr lang="en-GB"/>
+          </a:p>
+        </p:txBody>
+      </p:sp>
+    </p:spTree>
+    <p:extLst>
+      <p:ext uri="{BB962C8B-B14F-4D97-AF65-F5344CB8AC3E}">
+        <p14:creationId xmlns="" xmlns:p14="http://schemas.microsoft.com/office/powerpoint/2010/main" val="3626107853"/>
+      </p:ext>
+    </p:extLst>
+  </p:cSld>
+  <p:clrMapOvr>
+    <a:masterClrMapping/>
+  </p:clrMapOvr>
+</p:notes>
+</file>
+
+<file path=ppt/notesSlides/notesSlide2.xml><?xml version="1.0" encoding="utf-8"?>
+<p:notes xmlns:a="http://schemas.openxmlformats.org/drawingml/2006/main" xmlns:r="http://schemas.openxmlformats.org/officeDocument/2006/relationships" xmlns:p="http://schemas.openxmlformats.org/presentationml/2006/main">
+  <p:cSld>
+    <p:spTree>
+      <p:nvGrpSpPr>
+        <p:cNvPr id="1" name=""/>
+        <p:cNvGrpSpPr/>
+        <p:nvPr/>
+      </p:nvGrpSpPr>
+      <p:grpSpPr>
+        <a:xfrm>
+          <a:off x="0" y="0"/>
+          <a:ext cx="0" cy="0"/>
+          <a:chOff x="0" y="0"/>
+          <a:chExt cx="0" cy="0"/>
+        </a:xfrm>
+      </p:grpSpPr>
+      <p:sp>
+        <p:nvSpPr>
+          <p:cNvPr id="2" name="Slide Image Placeholder 1"/>
+          <p:cNvSpPr>
+            <a:spLocks noGrp="1" noRot="1" noChangeAspect="1"/>
+          </p:cNvSpPr>
+          <p:nvPr>
+            <p:ph type="sldImg"/>
+          </p:nvPr>
+        </p:nvSpPr>
+        <p:spPr/>
+      </p:sp>
+      <p:sp>
+        <p:nvSpPr>
+          <p:cNvPr id="3" name="Notes Placeholder 2"/>
+          <p:cNvSpPr>
+            <a:spLocks noGrp="1"/>
+          </p:cNvSpPr>
+          <p:nvPr>
+            <p:ph type="body" idx="1"/>
+          </p:nvPr>
+        </p:nvSpPr>
+        <p:spPr/>
+        <p:txBody>
+          <a:bodyPr/>
+          <a:lstStyle/>
+          <a:p>
+            <a:r>
+              <a:rPr lang="en-GB" dirty="0"/>
+              <a:t>Tom</a:t>
+            </a:r>
+          </a:p>
+        </p:txBody>
+      </p:sp>
+      <p:sp>
+        <p:nvSpPr>
+          <p:cNvPr id="4" name="Slide Number Placeholder 3"/>
+          <p:cNvSpPr>
+            <a:spLocks noGrp="1"/>
+          </p:cNvSpPr>
+          <p:nvPr>
+            <p:ph type="sldNum" sz="quarter" idx="10"/>
+          </p:nvPr>
+        </p:nvSpPr>
+        <p:spPr/>
+        <p:txBody>
+          <a:bodyPr/>
+          <a:lstStyle/>
+          <a:p>
+            <a:fld id="{84F7E62D-E9F9-4D66-926D-6747D187D21E}" type="slidenum">
+              <a:rPr lang="en-GB" smtClean="0"/>
+              <a:pPr/>
+              <a:t>2</a:t>
+            </a:fld>
+            <a:endParaRPr lang="en-GB"/>
+          </a:p>
+        </p:txBody>
+      </p:sp>
+    </p:spTree>
+    <p:extLst>
+      <p:ext uri="{BB962C8B-B14F-4D97-AF65-F5344CB8AC3E}">
+        <p14:creationId xmlns="" xmlns:p14="http://schemas.microsoft.com/office/powerpoint/2010/main" val="4098222041"/>
+      </p:ext>
+    </p:extLst>
+  </p:cSld>
+  <p:clrMapOvr>
+    <a:masterClrMapping/>
+  </p:clrMapOvr>
+</p:notes>
+</file>
+
+<file path=ppt/notesSlides/notesSlide3.xml><?xml version="1.0" encoding="utf-8"?>
+<p:notes xmlns:a="http://schemas.openxmlformats.org/drawingml/2006/main" xmlns:r="http://schemas.openxmlformats.org/officeDocument/2006/relationships" xmlns:p="http://schemas.openxmlformats.org/presentationml/2006/main">
+  <p:cSld>
+    <p:spTree>
+      <p:nvGrpSpPr>
+        <p:cNvPr id="1" name=""/>
+        <p:cNvGrpSpPr/>
+        <p:nvPr/>
+      </p:nvGrpSpPr>
+      <p:grpSpPr>
+        <a:xfrm>
+          <a:off x="0" y="0"/>
+          <a:ext cx="0" cy="0"/>
+          <a:chOff x="0" y="0"/>
+          <a:chExt cx="0" cy="0"/>
+        </a:xfrm>
+      </p:grpSpPr>
+      <p:sp>
+        <p:nvSpPr>
+          <p:cNvPr id="2" name="Slide Image Placeholder 1"/>
+          <p:cNvSpPr>
+            <a:spLocks noGrp="1" noRot="1" noChangeAspect="1"/>
+          </p:cNvSpPr>
+          <p:nvPr>
+            <p:ph type="sldImg"/>
+          </p:nvPr>
+        </p:nvSpPr>
+        <p:spPr/>
+      </p:sp>
+      <p:sp>
+        <p:nvSpPr>
+          <p:cNvPr id="3" name="Notes Placeholder 2"/>
+          <p:cNvSpPr>
+            <a:spLocks noGrp="1"/>
+          </p:cNvSpPr>
+          <p:nvPr>
+            <p:ph type="body" idx="1"/>
+          </p:nvPr>
+        </p:nvSpPr>
+        <p:spPr/>
+        <p:txBody>
+          <a:bodyPr/>
+          <a:lstStyle/>
+          <a:p>
+            <a:r>
+              <a:rPr lang="en-GB" dirty="0"/>
+              <a:t>Jordan</a:t>
+            </a:r>
+          </a:p>
+        </p:txBody>
+      </p:sp>
+      <p:sp>
+        <p:nvSpPr>
+          <p:cNvPr id="4" name="Slide Number Placeholder 3"/>
+          <p:cNvSpPr>
+            <a:spLocks noGrp="1"/>
+          </p:cNvSpPr>
+          <p:nvPr>
+            <p:ph type="sldNum" sz="quarter" idx="10"/>
+          </p:nvPr>
+        </p:nvSpPr>
+        <p:spPr/>
+        <p:txBody>
+          <a:bodyPr/>
+          <a:lstStyle/>
+          <a:p>
+            <a:fld id="{84F7E62D-E9F9-4D66-926D-6747D187D21E}" type="slidenum">
+              <a:rPr lang="en-GB" smtClean="0"/>
+              <a:pPr/>
+              <a:t>3</a:t>
+            </a:fld>
+            <a:endParaRPr lang="en-GB"/>
+          </a:p>
+        </p:txBody>
+      </p:sp>
+    </p:spTree>
+    <p:extLst>
+      <p:ext uri="{BB962C8B-B14F-4D97-AF65-F5344CB8AC3E}">
+        <p14:creationId xmlns="" xmlns:p14="http://schemas.microsoft.com/office/powerpoint/2010/main" val="1223296075"/>
+      </p:ext>
+    </p:extLst>
+  </p:cSld>
+  <p:clrMapOvr>
+    <a:masterClrMapping/>
+  </p:clrMapOvr>
+</p:notes>
+</file>
+
+<file path=ppt/notesSlides/notesSlide4.xml><?xml version="1.0" encoding="utf-8"?>
+<p:notes xmlns:a="http://schemas.openxmlformats.org/drawingml/2006/main" xmlns:r="http://schemas.openxmlformats.org/officeDocument/2006/relationships" xmlns:p="http://schemas.openxmlformats.org/presentationml/2006/main">
+  <p:cSld>
+    <p:spTree>
+      <p:nvGrpSpPr>
+        <p:cNvPr id="1" name=""/>
+        <p:cNvGrpSpPr/>
+        <p:nvPr/>
+      </p:nvGrpSpPr>
+      <p:grpSpPr>
+        <a:xfrm>
+          <a:off x="0" y="0"/>
+          <a:ext cx="0" cy="0"/>
+          <a:chOff x="0" y="0"/>
+          <a:chExt cx="0" cy="0"/>
+        </a:xfrm>
+      </p:grpSpPr>
+      <p:sp>
+        <p:nvSpPr>
+          <p:cNvPr id="2" name="Slide Image Placeholder 1"/>
+          <p:cNvSpPr>
+            <a:spLocks noGrp="1" noRot="1" noChangeAspect="1"/>
+          </p:cNvSpPr>
+          <p:nvPr>
+            <p:ph type="sldImg"/>
+          </p:nvPr>
+        </p:nvSpPr>
+        <p:spPr/>
+      </p:sp>
+      <p:sp>
+        <p:nvSpPr>
+          <p:cNvPr id="3" name="Notes Placeholder 2"/>
+          <p:cNvSpPr>
+            <a:spLocks noGrp="1"/>
+          </p:cNvSpPr>
+          <p:nvPr>
+            <p:ph type="body" idx="1"/>
+          </p:nvPr>
+        </p:nvSpPr>
+        <p:spPr/>
+        <p:txBody>
+          <a:bodyPr/>
+          <a:lstStyle/>
+          <a:p>
+            <a:r>
+              <a:rPr lang="en-GB" dirty="0"/>
+              <a:t>Tom</a:t>
+            </a:r>
+          </a:p>
+        </p:txBody>
+      </p:sp>
+      <p:sp>
+        <p:nvSpPr>
+          <p:cNvPr id="4" name="Slide Number Placeholder 3"/>
+          <p:cNvSpPr>
+            <a:spLocks noGrp="1"/>
+          </p:cNvSpPr>
+          <p:nvPr>
+            <p:ph type="sldNum" sz="quarter" idx="10"/>
+          </p:nvPr>
+        </p:nvSpPr>
+        <p:spPr/>
+        <p:txBody>
+          <a:bodyPr/>
+          <a:lstStyle/>
+          <a:p>
+            <a:fld id="{84F7E62D-E9F9-4D66-926D-6747D187D21E}" type="slidenum">
+              <a:rPr lang="en-GB" smtClean="0"/>
+              <a:pPr/>
+              <a:t>4</a:t>
+            </a:fld>
+            <a:endParaRPr lang="en-GB"/>
+          </a:p>
+        </p:txBody>
+      </p:sp>
+    </p:spTree>
+    <p:extLst>
+      <p:ext uri="{BB962C8B-B14F-4D97-AF65-F5344CB8AC3E}">
+        <p14:creationId xmlns="" xmlns:p14="http://schemas.microsoft.com/office/powerpoint/2010/main" val="1760108936"/>
+      </p:ext>
+    </p:extLst>
+  </p:cSld>
+  <p:clrMapOvr>
+    <a:masterClrMapping/>
+  </p:clrMapOvr>
+</p:notes>
+</file>
+
+<file path=ppt/notesSlides/notesSlide5.xml><?xml version="1.0" encoding="utf-8"?>
+<p:notes xmlns:a="http://schemas.openxmlformats.org/drawingml/2006/main" xmlns:r="http://schemas.openxmlformats.org/officeDocument/2006/relationships" xmlns:p="http://schemas.openxmlformats.org/presentationml/2006/main">
+  <p:cSld>
+    <p:spTree>
+      <p:nvGrpSpPr>
+        <p:cNvPr id="1" name=""/>
+        <p:cNvGrpSpPr/>
+        <p:nvPr/>
+      </p:nvGrpSpPr>
+      <p:grpSpPr>
+        <a:xfrm>
+          <a:off x="0" y="0"/>
+          <a:ext cx="0" cy="0"/>
+          <a:chOff x="0" y="0"/>
+          <a:chExt cx="0" cy="0"/>
+        </a:xfrm>
+      </p:grpSpPr>
+      <p:sp>
+        <p:nvSpPr>
+          <p:cNvPr id="2" name="Slide Image Placeholder 1"/>
+          <p:cNvSpPr>
+            <a:spLocks noGrp="1" noRot="1" noChangeAspect="1"/>
+          </p:cNvSpPr>
+          <p:nvPr>
+            <p:ph type="sldImg"/>
+          </p:nvPr>
+        </p:nvSpPr>
+        <p:spPr/>
+      </p:sp>
+      <p:sp>
+        <p:nvSpPr>
+          <p:cNvPr id="3" name="Notes Placeholder 2"/>
+          <p:cNvSpPr>
+            <a:spLocks noGrp="1"/>
+          </p:cNvSpPr>
+          <p:nvPr>
+            <p:ph type="body" idx="1"/>
+          </p:nvPr>
+        </p:nvSpPr>
+        <p:spPr/>
+        <p:txBody>
+          <a:bodyPr/>
+          <a:lstStyle/>
+          <a:p>
+            <a:r>
+              <a:rPr lang="en-GB" dirty="0"/>
+              <a:t>Both</a:t>
+            </a:r>
+          </a:p>
+        </p:txBody>
+      </p:sp>
+      <p:sp>
+        <p:nvSpPr>
+          <p:cNvPr id="4" name="Slide Number Placeholder 3"/>
+          <p:cNvSpPr>
+            <a:spLocks noGrp="1"/>
+          </p:cNvSpPr>
+          <p:nvPr>
+            <p:ph type="sldNum" sz="quarter" idx="10"/>
+          </p:nvPr>
+        </p:nvSpPr>
+        <p:spPr/>
+        <p:txBody>
+          <a:bodyPr/>
+          <a:lstStyle/>
+          <a:p>
+            <a:fld id="{84F7E62D-E9F9-4D66-926D-6747D187D21E}" type="slidenum">
+              <a:rPr lang="en-GB" smtClean="0"/>
+              <a:pPr/>
+              <a:t>5</a:t>
+            </a:fld>
+            <a:endParaRPr lang="en-GB"/>
+          </a:p>
+        </p:txBody>
+      </p:sp>
+    </p:spTree>
+    <p:extLst>
+      <p:ext uri="{BB962C8B-B14F-4D97-AF65-F5344CB8AC3E}">
+        <p14:creationId xmlns="" xmlns:p14="http://schemas.microsoft.com/office/powerpoint/2010/main" val="713632867"/>
+      </p:ext>
+    </p:extLst>
+  </p:cSld>
+  <p:clrMapOvr>
+    <a:masterClrMapping/>
+  </p:clrMapOvr>
+</p:notes>
+</file>
+
+<file path=ppt/notesSlides/notesSlide6.xml><?xml version="1.0" encoding="utf-8"?>
+<p:notes xmlns:a="http://schemas.openxmlformats.org/drawingml/2006/main" xmlns:r="http://schemas.openxmlformats.org/officeDocument/2006/relationships" xmlns:p="http://schemas.openxmlformats.org/presentationml/2006/main">
+  <p:cSld>
+    <p:spTree>
+      <p:nvGrpSpPr>
+        <p:cNvPr id="1" name=""/>
+        <p:cNvGrpSpPr/>
+        <p:nvPr/>
+      </p:nvGrpSpPr>
+      <p:grpSpPr>
+        <a:xfrm>
+          <a:off x="0" y="0"/>
+          <a:ext cx="0" cy="0"/>
+          <a:chOff x="0" y="0"/>
+          <a:chExt cx="0" cy="0"/>
+        </a:xfrm>
+      </p:grpSpPr>
+      <p:sp>
+        <p:nvSpPr>
+          <p:cNvPr id="2" name="Slide Image Placeholder 1"/>
+          <p:cNvSpPr>
+            <a:spLocks noGrp="1" noRot="1" noChangeAspect="1"/>
+          </p:cNvSpPr>
+          <p:nvPr>
+            <p:ph type="sldImg"/>
+          </p:nvPr>
+        </p:nvSpPr>
+        <p:spPr/>
+      </p:sp>
+      <p:sp>
+        <p:nvSpPr>
+          <p:cNvPr id="3" name="Notes Placeholder 2"/>
+          <p:cNvSpPr>
+            <a:spLocks noGrp="1"/>
+          </p:cNvSpPr>
+          <p:nvPr>
+            <p:ph type="body" idx="1"/>
+          </p:nvPr>
+        </p:nvSpPr>
+        <p:spPr/>
+        <p:txBody>
+          <a:bodyPr/>
+          <a:lstStyle/>
+          <a:p>
+            <a:r>
+              <a:rPr lang="en-GB" dirty="0"/>
+              <a:t>Jordan</a:t>
+            </a:r>
+          </a:p>
+        </p:txBody>
+      </p:sp>
+      <p:sp>
+        <p:nvSpPr>
+          <p:cNvPr id="4" name="Slide Number Placeholder 3"/>
+          <p:cNvSpPr>
+            <a:spLocks noGrp="1"/>
+          </p:cNvSpPr>
+          <p:nvPr>
+            <p:ph type="sldNum" sz="quarter" idx="10"/>
+          </p:nvPr>
+        </p:nvSpPr>
+        <p:spPr/>
+        <p:txBody>
+          <a:bodyPr/>
+          <a:lstStyle/>
+          <a:p>
+            <a:fld id="{84F7E62D-E9F9-4D66-926D-6747D187D21E}" type="slidenum">
+              <a:rPr lang="en-GB" smtClean="0"/>
+              <a:pPr/>
+              <a:t>6</a:t>
+            </a:fld>
+            <a:endParaRPr lang="en-GB"/>
+          </a:p>
+        </p:txBody>
+      </p:sp>
+    </p:spTree>
+    <p:extLst>
+      <p:ext uri="{BB962C8B-B14F-4D97-AF65-F5344CB8AC3E}">
+        <p14:creationId xmlns="" xmlns:p14="http://schemas.microsoft.com/office/powerpoint/2010/main" val="4286641630"/>
+      </p:ext>
+    </p:extLst>
+  </p:cSld>
+  <p:clrMapOvr>
+    <a:masterClrMapping/>
+  </p:clrMapOvr>
+</p:notes>
+</file>
+
+<file path=ppt/notesSlides/notesSlide7.xml><?xml version="1.0" encoding="utf-8"?>
+<p:notes xmlns:a="http://schemas.openxmlformats.org/drawingml/2006/main" xmlns:r="http://schemas.openxmlformats.org/officeDocument/2006/relationships" xmlns:p="http://schemas.openxmlformats.org/presentationml/2006/main">
+  <p:cSld>
+    <p:spTree>
+      <p:nvGrpSpPr>
+        <p:cNvPr id="1" name=""/>
+        <p:cNvGrpSpPr/>
+        <p:nvPr/>
+      </p:nvGrpSpPr>
+      <p:grpSpPr>
+        <a:xfrm>
+          <a:off x="0" y="0"/>
+          <a:ext cx="0" cy="0"/>
+          <a:chOff x="0" y="0"/>
+          <a:chExt cx="0" cy="0"/>
+        </a:xfrm>
+      </p:grpSpPr>
+      <p:sp>
+        <p:nvSpPr>
+          <p:cNvPr id="2" name="Slide Image Placeholder 1"/>
+          <p:cNvSpPr>
+            <a:spLocks noGrp="1" noRot="1" noChangeAspect="1"/>
+          </p:cNvSpPr>
+          <p:nvPr>
+            <p:ph type="sldImg"/>
+          </p:nvPr>
+        </p:nvSpPr>
+        <p:spPr/>
+      </p:sp>
+      <p:sp>
+        <p:nvSpPr>
+          <p:cNvPr id="3" name="Notes Placeholder 2"/>
+          <p:cNvSpPr>
+            <a:spLocks noGrp="1"/>
+          </p:cNvSpPr>
+          <p:nvPr>
+            <p:ph type="body" idx="1"/>
+          </p:nvPr>
+        </p:nvSpPr>
+        <p:spPr/>
+        <p:txBody>
+          <a:bodyPr/>
+          <a:lstStyle/>
+          <a:p>
+            <a:r>
+              <a:rPr lang="en-GB" dirty="0"/>
+              <a:t>Tom</a:t>
+            </a:r>
+          </a:p>
+        </p:txBody>
+      </p:sp>
+      <p:sp>
+        <p:nvSpPr>
+          <p:cNvPr id="4" name="Slide Number Placeholder 3"/>
+          <p:cNvSpPr>
+            <a:spLocks noGrp="1"/>
+          </p:cNvSpPr>
+          <p:nvPr>
+            <p:ph type="sldNum" sz="quarter" idx="10"/>
+          </p:nvPr>
+        </p:nvSpPr>
+        <p:spPr/>
+        <p:txBody>
+          <a:bodyPr/>
+          <a:lstStyle/>
+          <a:p>
+            <a:fld id="{84F7E62D-E9F9-4D66-926D-6747D187D21E}" type="slidenum">
+              <a:rPr lang="en-GB" smtClean="0"/>
+              <a:pPr/>
+              <a:t>7</a:t>
+            </a:fld>
+            <a:endParaRPr lang="en-GB"/>
+          </a:p>
+        </p:txBody>
+      </p:sp>
+    </p:spTree>
+    <p:extLst>
+      <p:ext uri="{BB962C8B-B14F-4D97-AF65-F5344CB8AC3E}">
+        <p14:creationId xmlns="" xmlns:p14="http://schemas.microsoft.com/office/powerpoint/2010/main" val="1783955891"/>
+      </p:ext>
+    </p:extLst>
+  </p:cSld>
+  <p:clrMapOvr>
+    <a:masterClrMapping/>
+  </p:clrMapOvr>
+</p:notes>
+</file>
+
+<file path=ppt/notesSlides/notesSlide8.xml><?xml version="1.0" encoding="utf-8"?>
+<p:notes xmlns:a="http://schemas.openxmlformats.org/drawingml/2006/main" xmlns:r="http://schemas.openxmlformats.org/officeDocument/2006/relationships" xmlns:p="http://schemas.openxmlformats.org/presentationml/2006/main">
+  <p:cSld>
+    <p:spTree>
+      <p:nvGrpSpPr>
+        <p:cNvPr id="1" name=""/>
+        <p:cNvGrpSpPr/>
+        <p:nvPr/>
+      </p:nvGrpSpPr>
+      <p:grpSpPr>
+        <a:xfrm>
+          <a:off x="0" y="0"/>
+          <a:ext cx="0" cy="0"/>
+          <a:chOff x="0" y="0"/>
+          <a:chExt cx="0" cy="0"/>
+        </a:xfrm>
+      </p:grpSpPr>
+      <p:sp>
+        <p:nvSpPr>
+          <p:cNvPr id="2" name="Slide Image Placeholder 1"/>
+          <p:cNvSpPr>
+            <a:spLocks noGrp="1" noRot="1" noChangeAspect="1"/>
+          </p:cNvSpPr>
+          <p:nvPr>
+            <p:ph type="sldImg"/>
+          </p:nvPr>
+        </p:nvSpPr>
+        <p:spPr/>
+      </p:sp>
+      <p:sp>
+        <p:nvSpPr>
+          <p:cNvPr id="3" name="Notes Placeholder 2"/>
+          <p:cNvSpPr>
+            <a:spLocks noGrp="1"/>
+          </p:cNvSpPr>
+          <p:nvPr>
+            <p:ph type="body" idx="1"/>
+          </p:nvPr>
+        </p:nvSpPr>
+        <p:spPr/>
+        <p:txBody>
+          <a:bodyPr/>
+          <a:lstStyle/>
+          <a:p>
+            <a:r>
+              <a:rPr lang="en-GB" dirty="0"/>
+              <a:t>Both</a:t>
+            </a:r>
+          </a:p>
+        </p:txBody>
+      </p:sp>
+      <p:sp>
+        <p:nvSpPr>
+          <p:cNvPr id="4" name="Slide Number Placeholder 3"/>
+          <p:cNvSpPr>
+            <a:spLocks noGrp="1"/>
+          </p:cNvSpPr>
+          <p:nvPr>
+            <p:ph type="sldNum" sz="quarter" idx="10"/>
+          </p:nvPr>
+        </p:nvSpPr>
+        <p:spPr/>
+        <p:txBody>
+          <a:bodyPr/>
+          <a:lstStyle/>
+          <a:p>
+            <a:fld id="{84F7E62D-E9F9-4D66-926D-6747D187D21E}" type="slidenum">
+              <a:rPr lang="en-GB" smtClean="0"/>
+              <a:pPr/>
+              <a:t>8</a:t>
+            </a:fld>
+            <a:endParaRPr lang="en-GB"/>
+          </a:p>
+        </p:txBody>
+      </p:sp>
+    </p:spTree>
+    <p:extLst>
+      <p:ext uri="{BB962C8B-B14F-4D97-AF65-F5344CB8AC3E}">
+        <p14:creationId xmlns="" xmlns:p14="http://schemas.microsoft.com/office/powerpoint/2010/main" val="1692009157"/>
+      </p:ext>
+    </p:extLst>
+  </p:cSld>
+  <p:clrMapOvr>
+    <a:masterClrMapping/>
+  </p:clrMapOvr>
+</p:notes>
+</file>
+
+<file path=ppt/notesSlides/notesSlide9.xml><?xml version="1.0" encoding="utf-8"?>
+<p:notes xmlns:a="http://schemas.openxmlformats.org/drawingml/2006/main" xmlns:r="http://schemas.openxmlformats.org/officeDocument/2006/relationships" xmlns:p="http://schemas.openxmlformats.org/presentationml/2006/main">
+  <p:cSld>
+    <p:spTree>
+      <p:nvGrpSpPr>
+        <p:cNvPr id="1" name=""/>
+        <p:cNvGrpSpPr/>
+        <p:nvPr/>
+      </p:nvGrpSpPr>
+      <p:grpSpPr>
+        <a:xfrm>
+          <a:off x="0" y="0"/>
+          <a:ext cx="0" cy="0"/>
+          <a:chOff x="0" y="0"/>
+          <a:chExt cx="0" cy="0"/>
+        </a:xfrm>
+      </p:grpSpPr>
+      <p:sp>
+        <p:nvSpPr>
+          <p:cNvPr id="2" name="Slide Image Placeholder 1"/>
+          <p:cNvSpPr>
+            <a:spLocks noGrp="1" noRot="1" noChangeAspect="1"/>
+          </p:cNvSpPr>
+          <p:nvPr>
+            <p:ph type="sldImg"/>
+          </p:nvPr>
+        </p:nvSpPr>
+        <p:spPr/>
+      </p:sp>
+      <p:sp>
+        <p:nvSpPr>
+          <p:cNvPr id="3" name="Notes Placeholder 2"/>
+          <p:cNvSpPr>
+            <a:spLocks noGrp="1"/>
+          </p:cNvSpPr>
+          <p:nvPr>
+            <p:ph type="body" idx="1"/>
+          </p:nvPr>
+        </p:nvSpPr>
+        <p:spPr/>
+        <p:txBody>
+          <a:bodyPr/>
+          <a:lstStyle/>
+          <a:p>
+            <a:r>
+              <a:rPr lang="en-GB" dirty="0" smtClean="0"/>
+              <a:t>Both</a:t>
+            </a:r>
+            <a:endParaRPr lang="en-GB" dirty="0"/>
+          </a:p>
+        </p:txBody>
+      </p:sp>
+      <p:sp>
+        <p:nvSpPr>
+          <p:cNvPr id="4" name="Slide Number Placeholder 3"/>
+          <p:cNvSpPr>
+            <a:spLocks noGrp="1"/>
+          </p:cNvSpPr>
+          <p:nvPr>
+            <p:ph type="sldNum" sz="quarter" idx="10"/>
+          </p:nvPr>
+        </p:nvSpPr>
+        <p:spPr/>
+        <p:txBody>
+          <a:bodyPr/>
+          <a:lstStyle/>
+          <a:p>
+            <a:fld id="{84F7E62D-E9F9-4D66-926D-6747D187D21E}" type="slidenum">
+              <a:rPr lang="en-GB" smtClean="0"/>
+              <a:pPr/>
+              <a:t>9</a:t>
+            </a:fld>
+            <a:endParaRPr lang="en-GB"/>
+          </a:p>
+        </p:txBody>
+      </p:sp>
+    </p:spTree>
+    <p:extLst>
+      <p:ext uri="{BB962C8B-B14F-4D97-AF65-F5344CB8AC3E}">
+        <p14:creationId xmlns="" xmlns:p14="http://schemas.microsoft.com/office/powerpoint/2010/main" val="1490531452"/>
+      </p:ext>
+    </p:extLst>
+  </p:cSld>
+  <p:clrMapOvr>
+    <a:masterClrMapping/>
+  </p:clrMapOvr>
+</p:notes>
 </file>
 
 <file path=ppt/slideLayouts/slideLayout1.xml><?xml version="1.0" encoding="utf-8"?>
@@ -158,7 +1690,7 @@
             </a:duotone>
             <a:extLst>
               <a:ext uri="{28A0092B-C50C-407E-A947-70E740481C1C}">
-                <a14:useLocalDpi xmlns:a14="http://schemas.microsoft.com/office/drawing/2010/main" val="0"/>
+                <a14:useLocalDpi xmlns="" xmlns:a14="http://schemas.microsoft.com/office/drawing/2010/main" val="0"/>
               </a:ext>
             </a:extLst>
           </a:blip>
@@ -4303,7 +5835,7 @@
           </a:lstStyle>
           <a:p>
             <a:r>
-              <a:rPr lang="en-US" smtClean="0"/>
+              <a:rPr lang="en-US"/>
               <a:t>Click to edit Master title style</a:t>
             </a:r>
             <a:endParaRPr lang="en-US" dirty="0"/>
@@ -4374,7 +5906,7 @@
           </a:lstStyle>
           <a:p>
             <a:r>
-              <a:rPr lang="en-US" smtClean="0"/>
+              <a:rPr lang="en-US"/>
               <a:t>Click to edit Master subtitle style</a:t>
             </a:r>
             <a:endParaRPr lang="en-US" dirty="0"/>
@@ -4403,7 +5935,8 @@
           <a:p>
             <a:fld id="{48A87A34-81AB-432B-8DAE-1953F412C126}" type="datetimeFigureOut">
               <a:rPr lang="en-US" dirty="0"/>
-              <a:t>11/14/2016</a:t>
+              <a:pPr/>
+              <a:t>11/16/2016</a:t>
             </a:fld>
             <a:endParaRPr lang="en-US" dirty="0"/>
           </a:p>
@@ -4455,6 +5988,7 @@
           <a:p>
             <a:fld id="{6D22F896-40B5-4ADD-8801-0D06FADFA095}" type="slidenum">
               <a:rPr lang="en-US" dirty="0"/>
+              <a:pPr/>
               <a:t>‹#›</a:t>
             </a:fld>
             <a:endParaRPr lang="en-US" dirty="0"/>
@@ -4513,7 +6047,7 @@
           </a:lstStyle>
           <a:p>
             <a:r>
-              <a:rPr lang="en-US" smtClean="0"/>
+              <a:rPr lang="en-US"/>
               <a:t>Click to edit Master title style</a:t>
             </a:r>
             <a:endParaRPr lang="en-US" dirty="0"/>
@@ -4574,7 +6108,7 @@
               <a:buNone/>
             </a:pPr>
             <a:r>
-              <a:rPr lang="en-US" smtClean="0"/>
+              <a:rPr lang="en-US"/>
               <a:t>Click icon to add picture</a:t>
             </a:r>
             <a:endParaRPr lang="en-US" dirty="0"/>
@@ -4642,7 +6176,7 @@
           <a:p>
             <a:pPr lvl="0"/>
             <a:r>
-              <a:rPr lang="en-US" smtClean="0"/>
+              <a:rPr lang="en-US"/>
               <a:t>Click to edit Master text styles</a:t>
             </a:r>
           </a:p>
@@ -4665,7 +6199,8 @@
           <a:p>
             <a:fld id="{48A87A34-81AB-432B-8DAE-1953F412C126}" type="datetimeFigureOut">
               <a:rPr lang="en-US" dirty="0"/>
-              <a:t>11/14/2016</a:t>
+              <a:pPr/>
+              <a:t>11/16/2016</a:t>
             </a:fld>
             <a:endParaRPr lang="en-US" dirty="0"/>
           </a:p>
@@ -4707,6 +6242,7 @@
           <a:p>
             <a:fld id="{6D22F896-40B5-4ADD-8801-0D06FADFA095}" type="slidenum">
               <a:rPr lang="en-US" dirty="0"/>
+              <a:pPr/>
               <a:t>‹#›</a:t>
             </a:fld>
             <a:endParaRPr lang="en-US" dirty="0"/>
@@ -4765,7 +6301,7 @@
           </a:lstStyle>
           <a:p>
             <a:r>
-              <a:rPr lang="en-US" smtClean="0"/>
+              <a:rPr lang="en-US"/>
               <a:t>Click to edit Master title style</a:t>
             </a:r>
             <a:endParaRPr lang="en-US" dirty="0"/>
@@ -4833,7 +6369,7 @@
           <a:p>
             <a:pPr lvl="0"/>
             <a:r>
-              <a:rPr lang="en-US" smtClean="0"/>
+              <a:rPr lang="en-US"/>
               <a:t>Click to edit Master text styles</a:t>
             </a:r>
           </a:p>
@@ -4856,7 +6392,8 @@
           <a:p>
             <a:fld id="{48A87A34-81AB-432B-8DAE-1953F412C126}" type="datetimeFigureOut">
               <a:rPr lang="en-US" dirty="0"/>
-              <a:t>11/14/2016</a:t>
+              <a:pPr/>
+              <a:t>11/16/2016</a:t>
             </a:fld>
             <a:endParaRPr lang="en-US" dirty="0"/>
           </a:p>
@@ -4898,6 +6435,7 @@
           <a:p>
             <a:fld id="{6D22F896-40B5-4ADD-8801-0D06FADFA095}" type="slidenum">
               <a:rPr lang="en-US" dirty="0"/>
+              <a:pPr/>
               <a:t>‹#›</a:t>
             </a:fld>
             <a:endParaRPr lang="en-US" dirty="0"/>
@@ -4956,7 +6494,7 @@
           </a:lstStyle>
           <a:p>
             <a:r>
-              <a:rPr lang="en-US" smtClean="0"/>
+              <a:rPr lang="en-US"/>
               <a:t>Click to edit Master title style</a:t>
             </a:r>
             <a:endParaRPr lang="en-US" dirty="0"/>
@@ -5024,7 +6562,7 @@
           <a:p>
             <a:pPr lvl="0"/>
             <a:r>
-              <a:rPr lang="en-US" smtClean="0"/>
+              <a:rPr lang="en-US"/>
               <a:t>Click to edit Master text styles</a:t>
             </a:r>
           </a:p>
@@ -5091,7 +6629,7 @@
           <a:p>
             <a:pPr lvl="0"/>
             <a:r>
-              <a:rPr lang="en-US" smtClean="0"/>
+              <a:rPr lang="en-US"/>
               <a:t>Click to edit Master text styles</a:t>
             </a:r>
           </a:p>
@@ -5114,7 +6652,8 @@
           <a:p>
             <a:fld id="{48A87A34-81AB-432B-8DAE-1953F412C126}" type="datetimeFigureOut">
               <a:rPr lang="en-US" dirty="0"/>
-              <a:t>11/14/2016</a:t>
+              <a:pPr/>
+              <a:t>11/16/2016</a:t>
             </a:fld>
             <a:endParaRPr lang="en-US" dirty="0"/>
           </a:p>
@@ -5156,6 +6695,7 @@
           <a:p>
             <a:fld id="{6D22F896-40B5-4ADD-8801-0D06FADFA095}" type="slidenum">
               <a:rPr lang="en-US" dirty="0"/>
+              <a:pPr/>
               <a:t>‹#›</a:t>
             </a:fld>
             <a:endParaRPr lang="en-US" dirty="0"/>
@@ -5452,7 +6992,7 @@
           </a:lstStyle>
           <a:p>
             <a:r>
-              <a:rPr lang="en-US" smtClean="0"/>
+              <a:rPr lang="en-US"/>
               <a:t>Click to edit Master title style</a:t>
             </a:r>
             <a:endParaRPr lang="en-US" dirty="0"/>
@@ -5520,7 +7060,7 @@
           <a:p>
             <a:pPr lvl="0"/>
             <a:r>
-              <a:rPr lang="en-US" smtClean="0"/>
+              <a:rPr lang="en-US"/>
               <a:t>Click to edit Master text styles</a:t>
             </a:r>
           </a:p>
@@ -5543,7 +7083,8 @@
           <a:p>
             <a:fld id="{48A87A34-81AB-432B-8DAE-1953F412C126}" type="datetimeFigureOut">
               <a:rPr lang="en-US" dirty="0"/>
-              <a:t>11/14/2016</a:t>
+              <a:pPr/>
+              <a:t>11/16/2016</a:t>
             </a:fld>
             <a:endParaRPr lang="en-US" dirty="0"/>
           </a:p>
@@ -5585,6 +7126,7 @@
           <a:p>
             <a:fld id="{6D22F896-40B5-4ADD-8801-0D06FADFA095}" type="slidenum">
               <a:rPr lang="en-US" dirty="0"/>
+              <a:pPr/>
               <a:t>‹#›</a:t>
             </a:fld>
             <a:endParaRPr lang="en-US" dirty="0"/>
@@ -5637,7 +7179,7 @@
           <a:lstStyle/>
           <a:p>
             <a:r>
-              <a:rPr lang="en-US" smtClean="0"/>
+              <a:rPr lang="en-US"/>
               <a:t>Click to edit Master title style</a:t>
             </a:r>
             <a:endParaRPr lang="en-US" dirty="0"/>
@@ -5712,7 +7254,7 @@
           <a:p>
             <a:pPr lvl="0"/>
             <a:r>
-              <a:rPr lang="en-US" smtClean="0"/>
+              <a:rPr lang="en-US"/>
               <a:t>Click to edit Master text styles</a:t>
             </a:r>
           </a:p>
@@ -5779,7 +7321,7 @@
           <a:p>
             <a:pPr lvl="0"/>
             <a:r>
-              <a:rPr lang="en-US" smtClean="0"/>
+              <a:rPr lang="en-US"/>
               <a:t>Click to edit Master text styles</a:t>
             </a:r>
           </a:p>
@@ -5853,7 +7395,7 @@
           <a:p>
             <a:pPr lvl="0"/>
             <a:r>
-              <a:rPr lang="en-US" smtClean="0"/>
+              <a:rPr lang="en-US"/>
               <a:t>Click to edit Master text styles</a:t>
             </a:r>
           </a:p>
@@ -5920,7 +7462,7 @@
           <a:p>
             <a:pPr lvl="0"/>
             <a:r>
-              <a:rPr lang="en-US" smtClean="0"/>
+              <a:rPr lang="en-US"/>
               <a:t>Click to edit Master text styles</a:t>
             </a:r>
           </a:p>
@@ -5994,7 +7536,7 @@
           <a:p>
             <a:pPr lvl="0"/>
             <a:r>
-              <a:rPr lang="en-US" smtClean="0"/>
+              <a:rPr lang="en-US"/>
               <a:t>Click to edit Master text styles</a:t>
             </a:r>
           </a:p>
@@ -6061,7 +7603,7 @@
           <a:p>
             <a:pPr lvl="0"/>
             <a:r>
-              <a:rPr lang="en-US" smtClean="0"/>
+              <a:rPr lang="en-US"/>
               <a:t>Click to edit Master text styles</a:t>
             </a:r>
           </a:p>
@@ -6084,7 +7626,8 @@
           <a:p>
             <a:fld id="{48A87A34-81AB-432B-8DAE-1953F412C126}" type="datetimeFigureOut">
               <a:rPr lang="en-US" dirty="0"/>
-              <a:t>11/14/2016</a:t>
+              <a:pPr/>
+              <a:t>11/16/2016</a:t>
             </a:fld>
             <a:endParaRPr lang="en-US" dirty="0"/>
           </a:p>
@@ -6126,6 +7669,7 @@
           <a:p>
             <a:fld id="{6D22F896-40B5-4ADD-8801-0D06FADFA095}" type="slidenum">
               <a:rPr lang="en-US" dirty="0"/>
+              <a:pPr/>
               <a:t>‹#›</a:t>
             </a:fld>
             <a:endParaRPr lang="en-US" dirty="0"/>
@@ -6178,7 +7722,7 @@
           <a:lstStyle/>
           <a:p>
             <a:r>
-              <a:rPr lang="en-US" smtClean="0"/>
+              <a:rPr lang="en-US"/>
               <a:t>Click to edit Master title style</a:t>
             </a:r>
             <a:endParaRPr lang="en-US" dirty="0"/>
@@ -6253,7 +7797,7 @@
           <a:p>
             <a:pPr lvl="0"/>
             <a:r>
-              <a:rPr lang="en-US" smtClean="0"/>
+              <a:rPr lang="en-US"/>
               <a:t>Click to edit Master text styles</a:t>
             </a:r>
           </a:p>
@@ -6310,7 +7854,7 @@
               <a:buNone/>
             </a:pPr>
             <a:r>
-              <a:rPr lang="en-US" smtClean="0"/>
+              <a:rPr lang="en-US"/>
               <a:t>Click icon to add picture</a:t>
             </a:r>
             <a:endParaRPr lang="en-US" dirty="0"/>
@@ -6378,7 +7922,7 @@
           <a:p>
             <a:pPr lvl="0"/>
             <a:r>
-              <a:rPr lang="en-US" smtClean="0"/>
+              <a:rPr lang="en-US"/>
               <a:t>Click to edit Master text styles</a:t>
             </a:r>
           </a:p>
@@ -6452,7 +7996,7 @@
           <a:p>
             <a:pPr lvl="0"/>
             <a:r>
-              <a:rPr lang="en-US" smtClean="0"/>
+              <a:rPr lang="en-US"/>
               <a:t>Click to edit Master text styles</a:t>
             </a:r>
           </a:p>
@@ -6509,7 +8053,7 @@
               <a:buNone/>
             </a:pPr>
             <a:r>
-              <a:rPr lang="en-US" smtClean="0"/>
+              <a:rPr lang="en-US"/>
               <a:t>Click icon to add picture</a:t>
             </a:r>
             <a:endParaRPr lang="en-US" dirty="0"/>
@@ -6577,7 +8121,7 @@
           <a:p>
             <a:pPr lvl="0"/>
             <a:r>
-              <a:rPr lang="en-US" smtClean="0"/>
+              <a:rPr lang="en-US"/>
               <a:t>Click to edit Master text styles</a:t>
             </a:r>
           </a:p>
@@ -6651,7 +8195,7 @@
           <a:p>
             <a:pPr lvl="0"/>
             <a:r>
-              <a:rPr lang="en-US" smtClean="0"/>
+              <a:rPr lang="en-US"/>
               <a:t>Click to edit Master text styles</a:t>
             </a:r>
           </a:p>
@@ -6708,7 +8252,7 @@
               <a:buNone/>
             </a:pPr>
             <a:r>
-              <a:rPr lang="en-US" smtClean="0"/>
+              <a:rPr lang="en-US"/>
               <a:t>Click icon to add picture</a:t>
             </a:r>
             <a:endParaRPr lang="en-US" dirty="0"/>
@@ -6776,7 +8320,7 @@
           <a:p>
             <a:pPr lvl="0"/>
             <a:r>
-              <a:rPr lang="en-US" smtClean="0"/>
+              <a:rPr lang="en-US"/>
               <a:t>Click to edit Master text styles</a:t>
             </a:r>
           </a:p>
@@ -6799,7 +8343,8 @@
           <a:p>
             <a:fld id="{48A87A34-81AB-432B-8DAE-1953F412C126}" type="datetimeFigureOut">
               <a:rPr lang="en-US" dirty="0"/>
-              <a:t>11/14/2016</a:t>
+              <a:pPr/>
+              <a:t>11/16/2016</a:t>
             </a:fld>
             <a:endParaRPr lang="en-US" dirty="0"/>
           </a:p>
@@ -6841,6 +8386,7 @@
           <a:p>
             <a:fld id="{6D22F896-40B5-4ADD-8801-0D06FADFA095}" type="slidenum">
               <a:rPr lang="en-US" dirty="0"/>
+              <a:pPr/>
               <a:t>‹#›</a:t>
             </a:fld>
             <a:endParaRPr lang="en-US" dirty="0"/>
@@ -6888,7 +8434,7 @@
           <a:lstStyle/>
           <a:p>
             <a:r>
-              <a:rPr lang="en-US" smtClean="0"/>
+              <a:rPr lang="en-US"/>
               <a:t>Click to edit Master title style</a:t>
             </a:r>
             <a:endParaRPr lang="en-US" dirty="0"/>
@@ -6912,35 +8458,35 @@
           <a:p>
             <a:pPr lvl="0"/>
             <a:r>
-              <a:rPr lang="en-US" smtClean="0"/>
+              <a:rPr lang="en-US"/>
               <a:t>Click to edit Master text styles</a:t>
             </a:r>
           </a:p>
           <a:p>
             <a:pPr lvl="1"/>
             <a:r>
-              <a:rPr lang="en-US" smtClean="0"/>
+              <a:rPr lang="en-US"/>
               <a:t>Second level</a:t>
             </a:r>
           </a:p>
           <a:p>
             <a:pPr lvl="2"/>
             <a:r>
-              <a:rPr lang="en-US" smtClean="0"/>
+              <a:rPr lang="en-US"/>
               <a:t>Third level</a:t>
             </a:r>
           </a:p>
           <a:p>
             <a:pPr lvl="3"/>
             <a:r>
-              <a:rPr lang="en-US" smtClean="0"/>
+              <a:rPr lang="en-US"/>
               <a:t>Fourth level</a:t>
             </a:r>
           </a:p>
           <a:p>
             <a:pPr lvl="4"/>
             <a:r>
-              <a:rPr lang="en-US" smtClean="0"/>
+              <a:rPr lang="en-US"/>
               <a:t>Fifth level</a:t>
             </a:r>
             <a:endParaRPr lang="en-US" dirty="0"/>
@@ -6964,7 +8510,8 @@
           <a:p>
             <a:fld id="{48A87A34-81AB-432B-8DAE-1953F412C126}" type="datetimeFigureOut">
               <a:rPr lang="en-US" dirty="0"/>
-              <a:t>11/14/2016</a:t>
+              <a:pPr/>
+              <a:t>11/16/2016</a:t>
             </a:fld>
             <a:endParaRPr lang="en-US" dirty="0"/>
           </a:p>
@@ -7006,6 +8553,7 @@
           <a:p>
             <a:fld id="{6D22F896-40B5-4ADD-8801-0D06FADFA095}" type="slidenum">
               <a:rPr lang="en-US" dirty="0"/>
+              <a:pPr/>
               <a:t>‹#›</a:t>
             </a:fld>
             <a:endParaRPr lang="en-US" dirty="0"/>
@@ -7058,7 +8606,7 @@
           <a:lstStyle/>
           <a:p>
             <a:r>
-              <a:rPr lang="en-US" smtClean="0"/>
+              <a:rPr lang="en-US"/>
               <a:t>Click to edit Master title style</a:t>
             </a:r>
             <a:endParaRPr lang="en-US" dirty="0"/>
@@ -7087,35 +8635,35 @@
           <a:p>
             <a:pPr lvl="0"/>
             <a:r>
-              <a:rPr lang="en-US" smtClean="0"/>
+              <a:rPr lang="en-US"/>
               <a:t>Click to edit Master text styles</a:t>
             </a:r>
           </a:p>
           <a:p>
             <a:pPr lvl="1"/>
             <a:r>
-              <a:rPr lang="en-US" smtClean="0"/>
+              <a:rPr lang="en-US"/>
               <a:t>Second level</a:t>
             </a:r>
           </a:p>
           <a:p>
             <a:pPr lvl="2"/>
             <a:r>
-              <a:rPr lang="en-US" smtClean="0"/>
+              <a:rPr lang="en-US"/>
               <a:t>Third level</a:t>
             </a:r>
           </a:p>
           <a:p>
             <a:pPr lvl="3"/>
             <a:r>
-              <a:rPr lang="en-US" smtClean="0"/>
+              <a:rPr lang="en-US"/>
               <a:t>Fourth level</a:t>
             </a:r>
           </a:p>
           <a:p>
             <a:pPr lvl="4"/>
             <a:r>
-              <a:rPr lang="en-US" smtClean="0"/>
+              <a:rPr lang="en-US"/>
               <a:t>Fifth level</a:t>
             </a:r>
             <a:endParaRPr lang="en-US" dirty="0"/>
@@ -7139,7 +8687,8 @@
           <a:p>
             <a:fld id="{48A87A34-81AB-432B-8DAE-1953F412C126}" type="datetimeFigureOut">
               <a:rPr lang="en-US" dirty="0"/>
-              <a:t>11/14/2016</a:t>
+              <a:pPr/>
+              <a:t>11/16/2016</a:t>
             </a:fld>
             <a:endParaRPr lang="en-US" dirty="0"/>
           </a:p>
@@ -7181,6 +8730,7 @@
           <a:p>
             <a:fld id="{6D22F896-40B5-4ADD-8801-0D06FADFA095}" type="slidenum">
               <a:rPr lang="en-US" dirty="0"/>
+              <a:pPr/>
               <a:t>‹#›</a:t>
             </a:fld>
             <a:endParaRPr lang="en-US" dirty="0"/>
@@ -7228,7 +8778,7 @@
           <a:lstStyle/>
           <a:p>
             <a:r>
-              <a:rPr lang="en-US" smtClean="0"/>
+              <a:rPr lang="en-US"/>
               <a:t>Click to edit Master title style</a:t>
             </a:r>
             <a:endParaRPr lang="en-US" dirty="0"/>
@@ -7252,35 +8802,35 @@
           <a:p>
             <a:pPr lvl="0"/>
             <a:r>
-              <a:rPr lang="en-US" smtClean="0"/>
+              <a:rPr lang="en-US"/>
               <a:t>Click to edit Master text styles</a:t>
             </a:r>
           </a:p>
           <a:p>
             <a:pPr lvl="1"/>
             <a:r>
-              <a:rPr lang="en-US" smtClean="0"/>
+              <a:rPr lang="en-US"/>
               <a:t>Second level</a:t>
             </a:r>
           </a:p>
           <a:p>
             <a:pPr lvl="2"/>
             <a:r>
-              <a:rPr lang="en-US" smtClean="0"/>
+              <a:rPr lang="en-US"/>
               <a:t>Third level</a:t>
             </a:r>
           </a:p>
           <a:p>
             <a:pPr lvl="3"/>
             <a:r>
-              <a:rPr lang="en-US" smtClean="0"/>
+              <a:rPr lang="en-US"/>
               <a:t>Fourth level</a:t>
             </a:r>
           </a:p>
           <a:p>
             <a:pPr lvl="4"/>
             <a:r>
-              <a:rPr lang="en-US" smtClean="0"/>
+              <a:rPr lang="en-US"/>
               <a:t>Fifth level</a:t>
             </a:r>
             <a:endParaRPr lang="en-US" dirty="0"/>
@@ -7304,7 +8854,8 @@
           <a:p>
             <a:fld id="{48A87A34-81AB-432B-8DAE-1953F412C126}" type="datetimeFigureOut">
               <a:rPr lang="en-US" dirty="0"/>
-              <a:t>11/14/2016</a:t>
+              <a:pPr/>
+              <a:t>11/16/2016</a:t>
             </a:fld>
             <a:endParaRPr lang="en-US" dirty="0"/>
           </a:p>
@@ -7346,6 +8897,7 @@
           <a:p>
             <a:fld id="{6D22F896-40B5-4ADD-8801-0D06FADFA095}" type="slidenum">
               <a:rPr lang="en-US" dirty="0"/>
+              <a:pPr/>
               <a:t>‹#›</a:t>
             </a:fld>
             <a:endParaRPr lang="en-US" dirty="0"/>
@@ -7404,7 +8956,7 @@
           </a:lstStyle>
           <a:p>
             <a:r>
-              <a:rPr lang="en-US" smtClean="0"/>
+              <a:rPr lang="en-US"/>
               <a:t>Click to edit Master title style</a:t>
             </a:r>
             <a:endParaRPr lang="en-US" dirty="0"/>
@@ -7526,7 +9078,7 @@
           <a:p>
             <a:pPr lvl="0"/>
             <a:r>
-              <a:rPr lang="en-US" smtClean="0"/>
+              <a:rPr lang="en-US"/>
               <a:t>Click to edit Master text styles</a:t>
             </a:r>
           </a:p>
@@ -7549,7 +9101,8 @@
           <a:p>
             <a:fld id="{48A87A34-81AB-432B-8DAE-1953F412C126}" type="datetimeFigureOut">
               <a:rPr lang="en-US" dirty="0"/>
-              <a:t>11/14/2016</a:t>
+              <a:pPr/>
+              <a:t>11/16/2016</a:t>
             </a:fld>
             <a:endParaRPr lang="en-US" dirty="0"/>
           </a:p>
@@ -7591,6 +9144,7 @@
           <a:p>
             <a:fld id="{6D22F896-40B5-4ADD-8801-0D06FADFA095}" type="slidenum">
               <a:rPr lang="en-US" dirty="0"/>
+              <a:pPr/>
               <a:t>‹#›</a:t>
             </a:fld>
             <a:endParaRPr lang="en-US" dirty="0"/>
@@ -7638,7 +9192,7 @@
           <a:lstStyle/>
           <a:p>
             <a:r>
-              <a:rPr lang="en-US" smtClean="0"/>
+              <a:rPr lang="en-US"/>
               <a:t>Click to edit Master title style</a:t>
             </a:r>
             <a:endParaRPr lang="en-US" dirty="0"/>
@@ -7667,35 +9221,35 @@
           <a:p>
             <a:pPr lvl="0"/>
             <a:r>
-              <a:rPr lang="en-US" smtClean="0"/>
+              <a:rPr lang="en-US"/>
               <a:t>Click to edit Master text styles</a:t>
             </a:r>
           </a:p>
           <a:p>
             <a:pPr lvl="1"/>
             <a:r>
-              <a:rPr lang="en-US" smtClean="0"/>
+              <a:rPr lang="en-US"/>
               <a:t>Second level</a:t>
             </a:r>
           </a:p>
           <a:p>
             <a:pPr lvl="2"/>
             <a:r>
-              <a:rPr lang="en-US" smtClean="0"/>
+              <a:rPr lang="en-US"/>
               <a:t>Third level</a:t>
             </a:r>
           </a:p>
           <a:p>
             <a:pPr lvl="3"/>
             <a:r>
-              <a:rPr lang="en-US" smtClean="0"/>
+              <a:rPr lang="en-US"/>
               <a:t>Fourth level</a:t>
             </a:r>
           </a:p>
           <a:p>
             <a:pPr lvl="4"/>
             <a:r>
-              <a:rPr lang="en-US" smtClean="0"/>
+              <a:rPr lang="en-US"/>
               <a:t>Fifth level</a:t>
             </a:r>
             <a:endParaRPr lang="en-US" dirty="0"/>
@@ -7724,35 +9278,35 @@
           <a:p>
             <a:pPr lvl="0"/>
             <a:r>
-              <a:rPr lang="en-US" smtClean="0"/>
+              <a:rPr lang="en-US"/>
               <a:t>Click to edit Master text styles</a:t>
             </a:r>
           </a:p>
           <a:p>
             <a:pPr lvl="1"/>
             <a:r>
-              <a:rPr lang="en-US" smtClean="0"/>
+              <a:rPr lang="en-US"/>
               <a:t>Second level</a:t>
             </a:r>
           </a:p>
           <a:p>
             <a:pPr lvl="2"/>
             <a:r>
-              <a:rPr lang="en-US" smtClean="0"/>
+              <a:rPr lang="en-US"/>
               <a:t>Third level</a:t>
             </a:r>
           </a:p>
           <a:p>
             <a:pPr lvl="3"/>
             <a:r>
-              <a:rPr lang="en-US" smtClean="0"/>
+              <a:rPr lang="en-US"/>
               <a:t>Fourth level</a:t>
             </a:r>
           </a:p>
           <a:p>
             <a:pPr lvl="4"/>
             <a:r>
-              <a:rPr lang="en-US" smtClean="0"/>
+              <a:rPr lang="en-US"/>
               <a:t>Fifth level</a:t>
             </a:r>
             <a:endParaRPr lang="en-US" dirty="0"/>
@@ -7776,7 +9330,8 @@
           <a:p>
             <a:fld id="{48A87A34-81AB-432B-8DAE-1953F412C126}" type="datetimeFigureOut">
               <a:rPr lang="en-US" dirty="0"/>
-              <a:t>11/14/2016</a:t>
+              <a:pPr/>
+              <a:t>11/16/2016</a:t>
             </a:fld>
             <a:endParaRPr lang="en-US" dirty="0"/>
           </a:p>
@@ -7818,6 +9373,7 @@
           <a:p>
             <a:fld id="{6D22F896-40B5-4ADD-8801-0D06FADFA095}" type="slidenum">
               <a:rPr lang="en-US" dirty="0"/>
+              <a:pPr/>
               <a:t>‹#›</a:t>
             </a:fld>
             <a:endParaRPr lang="en-US" dirty="0"/>
@@ -7870,7 +9426,7 @@
           <a:lstStyle/>
           <a:p>
             <a:r>
-              <a:rPr lang="en-US" smtClean="0"/>
+              <a:rPr lang="en-US"/>
               <a:t>Click to edit Master title style</a:t>
             </a:r>
             <a:endParaRPr lang="en-US" dirty="0"/>
@@ -7943,7 +9499,7 @@
           <a:p>
             <a:pPr lvl="0"/>
             <a:r>
-              <a:rPr lang="en-US" smtClean="0"/>
+              <a:rPr lang="en-US"/>
               <a:t>Click to edit Master text styles</a:t>
             </a:r>
           </a:p>
@@ -7971,35 +9527,35 @@
           <a:p>
             <a:pPr lvl="0"/>
             <a:r>
-              <a:rPr lang="en-US" smtClean="0"/>
+              <a:rPr lang="en-US"/>
               <a:t>Click to edit Master text styles</a:t>
             </a:r>
           </a:p>
           <a:p>
             <a:pPr lvl="1"/>
             <a:r>
-              <a:rPr lang="en-US" smtClean="0"/>
+              <a:rPr lang="en-US"/>
               <a:t>Second level</a:t>
             </a:r>
           </a:p>
           <a:p>
             <a:pPr lvl="2"/>
             <a:r>
-              <a:rPr lang="en-US" smtClean="0"/>
+              <a:rPr lang="en-US"/>
               <a:t>Third level</a:t>
             </a:r>
           </a:p>
           <a:p>
             <a:pPr lvl="3"/>
             <a:r>
-              <a:rPr lang="en-US" smtClean="0"/>
+              <a:rPr lang="en-US"/>
               <a:t>Fourth level</a:t>
             </a:r>
           </a:p>
           <a:p>
             <a:pPr lvl="4"/>
             <a:r>
-              <a:rPr lang="en-US" smtClean="0"/>
+              <a:rPr lang="en-US"/>
               <a:t>Fifth level</a:t>
             </a:r>
             <a:endParaRPr lang="en-US" dirty="0"/>
@@ -8072,7 +9628,7 @@
           <a:p>
             <a:pPr lvl="0"/>
             <a:r>
-              <a:rPr lang="en-US" smtClean="0"/>
+              <a:rPr lang="en-US"/>
               <a:t>Click to edit Master text styles</a:t>
             </a:r>
           </a:p>
@@ -8100,35 +9656,35 @@
           <a:p>
             <a:pPr lvl="0"/>
             <a:r>
-              <a:rPr lang="en-US" smtClean="0"/>
+              <a:rPr lang="en-US"/>
               <a:t>Click to edit Master text styles</a:t>
             </a:r>
           </a:p>
           <a:p>
             <a:pPr lvl="1"/>
             <a:r>
-              <a:rPr lang="en-US" smtClean="0"/>
+              <a:rPr lang="en-US"/>
               <a:t>Second level</a:t>
             </a:r>
           </a:p>
           <a:p>
             <a:pPr lvl="2"/>
             <a:r>
-              <a:rPr lang="en-US" smtClean="0"/>
+              <a:rPr lang="en-US"/>
               <a:t>Third level</a:t>
             </a:r>
           </a:p>
           <a:p>
             <a:pPr lvl="3"/>
             <a:r>
-              <a:rPr lang="en-US" smtClean="0"/>
+              <a:rPr lang="en-US"/>
               <a:t>Fourth level</a:t>
             </a:r>
           </a:p>
           <a:p>
             <a:pPr lvl="4"/>
             <a:r>
-              <a:rPr lang="en-US" smtClean="0"/>
+              <a:rPr lang="en-US"/>
               <a:t>Fifth level</a:t>
             </a:r>
             <a:endParaRPr lang="en-US" dirty="0"/>
@@ -8152,7 +9708,8 @@
           <a:p>
             <a:fld id="{48A87A34-81AB-432B-8DAE-1953F412C126}" type="datetimeFigureOut">
               <a:rPr lang="en-US" dirty="0"/>
-              <a:t>11/14/2016</a:t>
+              <a:pPr/>
+              <a:t>11/16/2016</a:t>
             </a:fld>
             <a:endParaRPr lang="en-US" dirty="0"/>
           </a:p>
@@ -8194,6 +9751,7 @@
           <a:p>
             <a:fld id="{6D22F896-40B5-4ADD-8801-0D06FADFA095}" type="slidenum">
               <a:rPr lang="en-US" dirty="0"/>
+              <a:pPr/>
               <a:t>‹#›</a:t>
             </a:fld>
             <a:endParaRPr lang="en-US" dirty="0"/>
@@ -8241,7 +9799,7 @@
           <a:lstStyle/>
           <a:p>
             <a:r>
-              <a:rPr lang="en-US" smtClean="0"/>
+              <a:rPr lang="en-US"/>
               <a:t>Click to edit Master title style</a:t>
             </a:r>
             <a:endParaRPr lang="en-US" dirty="0"/>
@@ -8265,7 +9823,8 @@
           <a:p>
             <a:fld id="{48A87A34-81AB-432B-8DAE-1953F412C126}" type="datetimeFigureOut">
               <a:rPr lang="en-US" dirty="0"/>
-              <a:t>11/14/2016</a:t>
+              <a:pPr/>
+              <a:t>11/16/2016</a:t>
             </a:fld>
             <a:endParaRPr lang="en-US" dirty="0"/>
           </a:p>
@@ -8307,6 +9866,7 @@
           <a:p>
             <a:fld id="{6D22F896-40B5-4ADD-8801-0D06FADFA095}" type="slidenum">
               <a:rPr lang="en-US" dirty="0"/>
+              <a:pPr/>
               <a:t>‹#›</a:t>
             </a:fld>
             <a:endParaRPr lang="en-US" dirty="0"/>
@@ -8355,7 +9915,8 @@
           <a:p>
             <a:fld id="{48A87A34-81AB-432B-8DAE-1953F412C126}" type="datetimeFigureOut">
               <a:rPr lang="en-US" dirty="0"/>
-              <a:t>11/14/2016</a:t>
+              <a:pPr/>
+              <a:t>11/16/2016</a:t>
             </a:fld>
             <a:endParaRPr lang="en-US" dirty="0"/>
           </a:p>
@@ -8397,6 +9958,7 @@
           <a:p>
             <a:fld id="{6D22F896-40B5-4ADD-8801-0D06FADFA095}" type="slidenum">
               <a:rPr lang="en-US" dirty="0"/>
+              <a:pPr/>
               <a:t>‹#›</a:t>
             </a:fld>
             <a:endParaRPr lang="en-US" dirty="0"/>
@@ -8453,7 +10015,7 @@
           </a:lstStyle>
           <a:p>
             <a:r>
-              <a:rPr lang="en-US" smtClean="0"/>
+              <a:rPr lang="en-US"/>
               <a:t>Click to edit Master title style</a:t>
             </a:r>
             <a:endParaRPr lang="en-US" dirty="0"/>
@@ -8482,35 +10044,35 @@
           <a:p>
             <a:pPr lvl="0"/>
             <a:r>
-              <a:rPr lang="en-US" smtClean="0"/>
+              <a:rPr lang="en-US"/>
               <a:t>Click to edit Master text styles</a:t>
             </a:r>
           </a:p>
           <a:p>
             <a:pPr lvl="1"/>
             <a:r>
-              <a:rPr lang="en-US" smtClean="0"/>
+              <a:rPr lang="en-US"/>
               <a:t>Second level</a:t>
             </a:r>
           </a:p>
           <a:p>
             <a:pPr lvl="2"/>
             <a:r>
-              <a:rPr lang="en-US" smtClean="0"/>
+              <a:rPr lang="en-US"/>
               <a:t>Third level</a:t>
             </a:r>
           </a:p>
           <a:p>
             <a:pPr lvl="3"/>
             <a:r>
-              <a:rPr lang="en-US" smtClean="0"/>
+              <a:rPr lang="en-US"/>
               <a:t>Fourth level</a:t>
             </a:r>
           </a:p>
           <a:p>
             <a:pPr lvl="4"/>
             <a:r>
-              <a:rPr lang="en-US" smtClean="0"/>
+              <a:rPr lang="en-US"/>
               <a:t>Fifth level</a:t>
             </a:r>
             <a:endParaRPr lang="en-US" dirty="0"/>
@@ -8576,7 +10138,7 @@
           <a:p>
             <a:pPr lvl="0"/>
             <a:r>
-              <a:rPr lang="en-US" smtClean="0"/>
+              <a:rPr lang="en-US"/>
               <a:t>Click to edit Master text styles</a:t>
             </a:r>
           </a:p>
@@ -8599,7 +10161,8 @@
           <a:p>
             <a:fld id="{48A87A34-81AB-432B-8DAE-1953F412C126}" type="datetimeFigureOut">
               <a:rPr lang="en-US" dirty="0"/>
-              <a:t>11/14/2016</a:t>
+              <a:pPr/>
+              <a:t>11/16/2016</a:t>
             </a:fld>
             <a:endParaRPr lang="en-US" dirty="0"/>
           </a:p>
@@ -8641,6 +10204,7 @@
           <a:p>
             <a:fld id="{6D22F896-40B5-4ADD-8801-0D06FADFA095}" type="slidenum">
               <a:rPr lang="en-US" dirty="0"/>
+              <a:pPr/>
               <a:t>‹#›</a:t>
             </a:fld>
             <a:endParaRPr lang="en-US" dirty="0"/>
@@ -8697,7 +10261,7 @@
           </a:lstStyle>
           <a:p>
             <a:r>
-              <a:rPr lang="en-US" smtClean="0"/>
+              <a:rPr lang="en-US"/>
               <a:t>Click to edit Master title style</a:t>
             </a:r>
             <a:endParaRPr lang="en-US" dirty="0"/>
@@ -8785,7 +10349,7 @@
           </a:lstStyle>
           <a:p>
             <a:r>
-              <a:rPr lang="en-US" smtClean="0"/>
+              <a:rPr lang="en-US"/>
               <a:t>Click icon to add picture</a:t>
             </a:r>
             <a:endParaRPr lang="en-US" dirty="0"/>
@@ -8851,7 +10415,7 @@
           <a:p>
             <a:pPr lvl="0"/>
             <a:r>
-              <a:rPr lang="en-US" smtClean="0"/>
+              <a:rPr lang="en-US"/>
               <a:t>Click to edit Master text styles</a:t>
             </a:r>
           </a:p>
@@ -8874,7 +10438,8 @@
           <a:p>
             <a:fld id="{48A87A34-81AB-432B-8DAE-1953F412C126}" type="datetimeFigureOut">
               <a:rPr lang="en-US" dirty="0"/>
-              <a:t>11/14/2016</a:t>
+              <a:pPr/>
+              <a:t>11/16/2016</a:t>
             </a:fld>
             <a:endParaRPr lang="en-US" dirty="0"/>
           </a:p>
@@ -8916,6 +10481,7 @@
           <a:p>
             <a:fld id="{6D22F896-40B5-4ADD-8801-0D06FADFA095}" type="slidenum">
               <a:rPr lang="en-US" dirty="0"/>
+              <a:pPr/>
               <a:t>‹#›</a:t>
             </a:fld>
             <a:endParaRPr lang="en-US" dirty="0"/>
@@ -8972,7 +10538,7 @@
             </a:duotone>
             <a:extLst>
               <a:ext uri="{28A0092B-C50C-407E-A947-70E740481C1C}">
-                <a14:useLocalDpi xmlns:a14="http://schemas.microsoft.com/office/drawing/2010/main" val="0"/>
+                <a14:useLocalDpi xmlns="" xmlns:a14="http://schemas.microsoft.com/office/drawing/2010/main" val="0"/>
               </a:ext>
             </a:extLst>
           </a:blip>
@@ -11866,35 +13432,35 @@
           <a:p>
             <a:pPr lvl="0"/>
             <a:r>
-              <a:rPr lang="en-US" smtClean="0"/>
+              <a:rPr lang="en-US"/>
               <a:t>Click to edit Master text styles</a:t>
             </a:r>
           </a:p>
           <a:p>
             <a:pPr lvl="1"/>
             <a:r>
-              <a:rPr lang="en-US" smtClean="0"/>
+              <a:rPr lang="en-US"/>
               <a:t>Second level</a:t>
             </a:r>
           </a:p>
           <a:p>
             <a:pPr lvl="2"/>
             <a:r>
-              <a:rPr lang="en-US" smtClean="0"/>
+              <a:rPr lang="en-US"/>
               <a:t>Third level</a:t>
             </a:r>
           </a:p>
           <a:p>
             <a:pPr lvl="3"/>
             <a:r>
-              <a:rPr lang="en-US" smtClean="0"/>
+              <a:rPr lang="en-US"/>
               <a:t>Fourth level</a:t>
             </a:r>
           </a:p>
           <a:p>
             <a:pPr lvl="4"/>
             <a:r>
-              <a:rPr lang="en-US" smtClean="0"/>
+              <a:rPr lang="en-US"/>
               <a:t>Fifth level</a:t>
             </a:r>
             <a:endParaRPr lang="en-US" dirty="0"/>
@@ -11937,7 +13503,7 @@
             <a:fld id="{48A87A34-81AB-432B-8DAE-1953F412C126}" type="datetimeFigureOut">
               <a:rPr lang="en-US" dirty="0"/>
               <a:pPr/>
-              <a:t>11/14/2016</a:t>
+              <a:t>11/16/2016</a:t>
             </a:fld>
             <a:endParaRPr lang="en-US" dirty="0"/>
           </a:p>
@@ -12369,10 +13935,9 @@
           <a:lstStyle/>
           <a:p>
             <a:r>
-              <a:rPr lang="en-GB" dirty="0" smtClean="0"/>
+              <a:rPr lang="en-GB" dirty="0"/>
               <a:t>L4/5 GROUP 11</a:t>
             </a:r>
-            <a:endParaRPr lang="en-GB" dirty="0"/>
           </a:p>
         </p:txBody>
       </p:sp>
@@ -12394,24 +13959,44 @@
           <a:lstStyle/>
           <a:p>
             <a:r>
-              <a:rPr lang="en-GB" dirty="0" smtClean="0"/>
+              <a:rPr lang="en-GB" dirty="0">
+                <a:solidFill>
+                  <a:schemeClr val="tx1"/>
+                </a:solidFill>
+              </a:rPr>
               <a:t>Thomas </a:t>
             </a:r>
             <a:r>
-              <a:rPr lang="en-GB" dirty="0" err="1" smtClean="0"/>
+              <a:rPr lang="en-GB" dirty="0" err="1">
+                <a:solidFill>
+                  <a:schemeClr val="tx1"/>
+                </a:solidFill>
+              </a:rPr>
               <a:t>wenman</a:t>
             </a:r>
-            <a:endParaRPr lang="en-GB" dirty="0" smtClean="0"/>
+            <a:endParaRPr lang="en-GB" dirty="0">
+              <a:solidFill>
+                <a:schemeClr val="tx1"/>
+              </a:solidFill>
+            </a:endParaRPr>
           </a:p>
           <a:p>
             <a:r>
-              <a:rPr lang="en-GB" dirty="0" smtClean="0"/>
+              <a:rPr lang="en-GB" dirty="0">
+                <a:solidFill>
+                  <a:schemeClr val="tx1"/>
+                </a:solidFill>
+              </a:rPr>
               <a:t>Jordan marks</a:t>
             </a:r>
           </a:p>
           <a:p>
             <a:r>
-              <a:rPr lang="en-GB" dirty="0" smtClean="0"/>
+              <a:rPr lang="en-GB" dirty="0">
+                <a:solidFill>
+                  <a:schemeClr val="tx1"/>
+                </a:solidFill>
+              </a:rPr>
               <a:t>Mark key</a:t>
             </a:r>
           </a:p>
@@ -12423,13 +14008,20 @@
     </p:spTree>
     <p:extLst>
       <p:ext uri="{BB962C8B-B14F-4D97-AF65-F5344CB8AC3E}">
-        <p14:creationId xmlns:p14="http://schemas.microsoft.com/office/powerpoint/2010/main" val="3798078933"/>
+        <p14:creationId xmlns="" xmlns:p14="http://schemas.microsoft.com/office/powerpoint/2010/main" val="3798078933"/>
       </p:ext>
     </p:extLst>
   </p:cSld>
   <p:clrMapOvr>
     <a:masterClrMapping/>
   </p:clrMapOvr>
+  <p:timing>
+    <p:tnLst>
+      <p:par>
+        <p:cTn id="1" dur="indefinite" restart="never" nodeType="tmRoot"/>
+      </p:par>
+    </p:tnLst>
+  </p:timing>
 </p:sld>
 </file>
 
@@ -12460,6 +14052,138 @@
             <p:ph type="title"/>
           </p:nvPr>
         </p:nvSpPr>
+        <p:spPr/>
+        <p:txBody>
+          <a:bodyPr/>
+          <a:lstStyle/>
+          <a:p>
+            <a:r>
+              <a:rPr lang="en-GB" dirty="0"/>
+              <a:t>management</a:t>
+            </a:r>
+          </a:p>
+        </p:txBody>
+      </p:sp>
+      <p:sp>
+        <p:nvSpPr>
+          <p:cNvPr id="3" name="Content Placeholder 2"/>
+          <p:cNvSpPr>
+            <a:spLocks noGrp="1"/>
+          </p:cNvSpPr>
+          <p:nvPr>
+            <p:ph idx="1"/>
+          </p:nvPr>
+        </p:nvSpPr>
+        <p:spPr>
+          <a:xfrm>
+            <a:off x="1141412" y="2249487"/>
+            <a:ext cx="9905999" cy="1757434"/>
+          </a:xfrm>
+        </p:spPr>
+        <p:txBody>
+          <a:bodyPr/>
+          <a:lstStyle/>
+          <a:p>
+            <a:r>
+              <a:rPr lang="en-GB" dirty="0" smtClean="0"/>
+              <a:t>Work done: Mark 0 hours done, Tom 30 hours done and Jordan 26 hours</a:t>
+            </a:r>
+          </a:p>
+          <a:p>
+            <a:r>
+              <a:rPr lang="en-GB" dirty="0"/>
+              <a:t>Emails: </a:t>
+            </a:r>
+            <a:r>
+              <a:rPr lang="en-GB" dirty="0" smtClean="0"/>
+              <a:t>Mark 1 emails, Tom 36 emails and Jordan 27</a:t>
+            </a:r>
+            <a:endParaRPr lang="en-GB" dirty="0"/>
+          </a:p>
+          <a:p>
+            <a:endParaRPr lang="en-GB" dirty="0"/>
+          </a:p>
+        </p:txBody>
+      </p:sp>
+      <p:graphicFrame>
+        <p:nvGraphicFramePr>
+          <p:cNvPr id="4" name="Chart 3"/>
+          <p:cNvGraphicFramePr/>
+          <p:nvPr/>
+        </p:nvGraphicFramePr>
+        <p:xfrm>
+          <a:off x="1316384" y="3737114"/>
+          <a:ext cx="4826000" cy="2858420"/>
+        </p:xfrm>
+        <a:graphic>
+          <a:graphicData uri="http://schemas.openxmlformats.org/drawingml/2006/chart">
+            <c:chart xmlns:c="http://schemas.openxmlformats.org/drawingml/2006/chart" xmlns:r="http://schemas.openxmlformats.org/officeDocument/2006/relationships" r:id="rId3"/>
+          </a:graphicData>
+        </a:graphic>
+      </p:graphicFrame>
+      <p:graphicFrame>
+        <p:nvGraphicFramePr>
+          <p:cNvPr id="5" name="Chart 4"/>
+          <p:cNvGraphicFramePr/>
+          <p:nvPr/>
+        </p:nvGraphicFramePr>
+        <p:xfrm>
+          <a:off x="5838686" y="3707296"/>
+          <a:ext cx="5561495" cy="2961860"/>
+        </p:xfrm>
+        <a:graphic>
+          <a:graphicData uri="http://schemas.openxmlformats.org/drawingml/2006/chart">
+            <c:chart xmlns:c="http://schemas.openxmlformats.org/drawingml/2006/chart" xmlns:r="http://schemas.openxmlformats.org/officeDocument/2006/relationships" r:id="rId4"/>
+          </a:graphicData>
+        </a:graphic>
+      </p:graphicFrame>
+    </p:spTree>
+    <p:extLst>
+      <p:ext uri="{BB962C8B-B14F-4D97-AF65-F5344CB8AC3E}">
+        <p14:creationId xmlns="" xmlns:p14="http://schemas.microsoft.com/office/powerpoint/2010/main" val="4185300400"/>
+      </p:ext>
+    </p:extLst>
+  </p:cSld>
+  <p:clrMapOvr>
+    <a:masterClrMapping/>
+  </p:clrMapOvr>
+  <p:timing>
+    <p:tnLst>
+      <p:par>
+        <p:cTn id="1" dur="indefinite" restart="never" nodeType="tmRoot"/>
+      </p:par>
+    </p:tnLst>
+  </p:timing>
+</p:sld>
+</file>
+
+<file path=ppt/slides/slide11.xml><?xml version="1.0" encoding="utf-8"?>
+<p:sld xmlns:a="http://schemas.openxmlformats.org/drawingml/2006/main" xmlns:r="http://schemas.openxmlformats.org/officeDocument/2006/relationships" xmlns:p="http://schemas.openxmlformats.org/presentationml/2006/main">
+  <p:cSld>
+    <p:spTree>
+      <p:nvGrpSpPr>
+        <p:cNvPr id="1" name=""/>
+        <p:cNvGrpSpPr/>
+        <p:nvPr/>
+      </p:nvGrpSpPr>
+      <p:grpSpPr>
+        <a:xfrm>
+          <a:off x="0" y="0"/>
+          <a:ext cx="0" cy="0"/>
+          <a:chOff x="0" y="0"/>
+          <a:chExt cx="0" cy="0"/>
+        </a:xfrm>
+      </p:grpSpPr>
+      <p:sp>
+        <p:nvSpPr>
+          <p:cNvPr id="2" name="Title 1"/>
+          <p:cNvSpPr>
+            <a:spLocks noGrp="1"/>
+          </p:cNvSpPr>
+          <p:nvPr>
+            <p:ph type="title"/>
+          </p:nvPr>
+        </p:nvSpPr>
         <p:spPr>
           <a:xfrm>
             <a:off x="4435119" y="2249487"/>
@@ -12471,23 +14195,29 @@
           <a:lstStyle/>
           <a:p>
             <a:r>
-              <a:rPr lang="en-GB" dirty="0" smtClean="0"/>
+              <a:rPr lang="en-GB" dirty="0"/>
               <a:t>Questions?</a:t>
             </a:r>
-            <a:endParaRPr lang="en-GB" dirty="0"/>
           </a:p>
         </p:txBody>
       </p:sp>
     </p:spTree>
     <p:extLst>
       <p:ext uri="{BB962C8B-B14F-4D97-AF65-F5344CB8AC3E}">
-        <p14:creationId xmlns:p14="http://schemas.microsoft.com/office/powerpoint/2010/main" val="1744792610"/>
+        <p14:creationId xmlns="" xmlns:p14="http://schemas.microsoft.com/office/powerpoint/2010/main" val="1744792610"/>
       </p:ext>
     </p:extLst>
   </p:cSld>
   <p:clrMapOvr>
     <a:masterClrMapping/>
   </p:clrMapOvr>
+  <p:timing>
+    <p:tnLst>
+      <p:par>
+        <p:cTn id="1" dur="indefinite" restart="never" nodeType="tmRoot"/>
+      </p:par>
+    </p:tnLst>
+  </p:timing>
 </p:sld>
 </file>
 
@@ -12525,33 +14255,9 @@
           <a:p>
             <a:r>
               <a:rPr lang="en-GB" dirty="0" smtClean="0"/>
-              <a:t>LOGLINE</a:t>
+              <a:t>LOGLINE, Target audience and genre</a:t>
             </a:r>
             <a:endParaRPr lang="en-GB" dirty="0"/>
-          </a:p>
-        </p:txBody>
-      </p:sp>
-      <p:sp>
-        <p:nvSpPr>
-          <p:cNvPr id="3" name="Content Placeholder 2"/>
-          <p:cNvSpPr>
-            <a:spLocks noGrp="1"/>
-          </p:cNvSpPr>
-          <p:nvPr>
-            <p:ph idx="1"/>
-          </p:nvPr>
-        </p:nvSpPr>
-        <p:spPr>
-          <a:xfrm>
-            <a:off x="1141412" y="2249487"/>
-            <a:ext cx="9905999" cy="1921297"/>
-          </a:xfrm>
-        </p:spPr>
-        <p:txBody>
-          <a:bodyPr/>
-          <a:lstStyle/>
-          <a:p>
-            <a:endParaRPr lang="en-GB" dirty="0" smtClean="0"/>
           </a:p>
         </p:txBody>
       </p:sp>
@@ -12563,7 +14269,7 @@
         </p:nvSpPr>
         <p:spPr>
           <a:xfrm>
-            <a:off x="1141412" y="4842588"/>
+            <a:off x="1141411" y="3060698"/>
             <a:ext cx="9905999" cy="369332"/>
           </a:xfrm>
           <a:prstGeom prst="rect">
@@ -12578,31 +14284,120 @@
           <a:lstStyle/>
           <a:p>
             <a:r>
-              <a:rPr lang="en-GB" dirty="0" smtClean="0"/>
-              <a:t>Target audience: </a:t>
+              <a:rPr lang="en-GB" dirty="0"/>
+              <a:t>Target audience: 18+ year olds.</a:t>
             </a:r>
+          </a:p>
+        </p:txBody>
+      </p:sp>
+      <p:sp>
+        <p:nvSpPr>
+          <p:cNvPr id="5" name="TextBox 4"/>
+          <p:cNvSpPr txBox="1"/>
+          <p:nvPr/>
+        </p:nvSpPr>
+        <p:spPr>
+          <a:xfrm>
+            <a:off x="1174544" y="3849199"/>
+            <a:ext cx="9905999" cy="369332"/>
+          </a:xfrm>
+          <a:prstGeom prst="rect">
+            <a:avLst/>
+          </a:prstGeom>
+          <a:noFill/>
+        </p:spPr>
+        <p:txBody>
+          <a:bodyPr wrap="square" rtlCol="0">
+            <a:spAutoFit/>
+          </a:bodyPr>
+          <a:lstStyle/>
+          <a:p>
             <a:r>
               <a:rPr lang="en-GB" dirty="0" smtClean="0"/>
-              <a:t>18+ </a:t>
+              <a:t>Genre: Point and click.</a:t>
             </a:r>
+          </a:p>
+        </p:txBody>
+      </p:sp>
+      <p:sp>
+        <p:nvSpPr>
+          <p:cNvPr id="7" name="TextBox 6"/>
+          <p:cNvSpPr txBox="1"/>
+          <p:nvPr/>
+        </p:nvSpPr>
+        <p:spPr>
+          <a:xfrm>
+            <a:off x="1187798" y="2202640"/>
+            <a:ext cx="9905999" cy="923330"/>
+          </a:xfrm>
+          <a:prstGeom prst="rect">
+            <a:avLst/>
+          </a:prstGeom>
+          <a:noFill/>
+        </p:spPr>
+        <p:txBody>
+          <a:bodyPr wrap="square" rtlCol="0">
+            <a:spAutoFit/>
+          </a:bodyPr>
+          <a:lstStyle/>
+          <a:p>
             <a:r>
               <a:rPr lang="en-GB" dirty="0" smtClean="0"/>
-              <a:t>year olds.</a:t>
+              <a:t>Logline: After experiencing an all night party for the first time. Lily will have to find her friends missing items.</a:t>
             </a:r>
-            <a:endParaRPr lang="en-GB" dirty="0"/>
+          </a:p>
+          <a:p>
+            <a:endParaRPr lang="en-GB" dirty="0" smtClean="0"/>
+          </a:p>
+        </p:txBody>
+      </p:sp>
+      <p:sp>
+        <p:nvSpPr>
+          <p:cNvPr id="6" name="TextBox 5"/>
+          <p:cNvSpPr txBox="1"/>
+          <p:nvPr/>
+        </p:nvSpPr>
+        <p:spPr>
+          <a:xfrm>
+            <a:off x="1167920" y="4528366"/>
+            <a:ext cx="9905999" cy="369332"/>
+          </a:xfrm>
+          <a:prstGeom prst="rect">
+            <a:avLst/>
+          </a:prstGeom>
+          <a:noFill/>
+        </p:spPr>
+        <p:txBody>
+          <a:bodyPr wrap="square" rtlCol="0">
+            <a:spAutoFit/>
+          </a:bodyPr>
+          <a:lstStyle/>
+          <a:p>
+            <a:r>
+              <a:rPr lang="en-GB" dirty="0" smtClean="0"/>
+              <a:t>Platform: PC</a:t>
+            </a:r>
+            <a:endParaRPr lang="en-GB" dirty="0" smtClean="0"/>
           </a:p>
         </p:txBody>
       </p:sp>
     </p:spTree>
     <p:extLst>
       <p:ext uri="{BB962C8B-B14F-4D97-AF65-F5344CB8AC3E}">
-        <p14:creationId xmlns:p14="http://schemas.microsoft.com/office/powerpoint/2010/main" val="3332805239"/>
+        <p14:creationId xmlns="" xmlns:p14="http://schemas.microsoft.com/office/powerpoint/2010/main" val="3332805239"/>
       </p:ext>
     </p:extLst>
   </p:cSld>
   <p:clrMapOvr>
     <a:masterClrMapping/>
   </p:clrMapOvr>
+  <p:timing>
+    <p:tnLst>
+      <p:par>
+        <p:cTn id="1" dur="indefinite" restart="never" nodeType="tmRoot"/>
+      </p:par>
+    </p:tnLst>
+  </p:timing>
 </p:sld>
 </file>
 
@@ -12639,42 +14434,12 @@
           <a:lstStyle/>
           <a:p>
             <a:r>
-              <a:rPr lang="en-GB" dirty="0" err="1" smtClean="0"/>
+              <a:rPr lang="en-GB" dirty="0"/>
               <a:t>Monachopsis</a:t>
             </a:r>
-            <a:endParaRPr lang="en-GB" dirty="0"/>
-          </a:p>
-        </p:txBody>
-      </p:sp>
-      <p:pic>
-        <p:nvPicPr>
-          <p:cNvPr id="4" name="Content Placeholder 3"/>
-          <p:cNvPicPr>
-            <a:picLocks noGrp="1" noChangeAspect="1"/>
-          </p:cNvPicPr>
-          <p:nvPr>
-            <p:ph idx="1"/>
-          </p:nvPr>
-        </p:nvPicPr>
-        <p:blipFill>
-          <a:blip r:embed="rId2">
-            <a:extLst>
-              <a:ext uri="{28A0092B-C50C-407E-A947-70E740481C1C}">
-                <a14:useLocalDpi xmlns:a14="http://schemas.microsoft.com/office/drawing/2010/main" val="0"/>
-              </a:ext>
-            </a:extLst>
-          </a:blip>
-          <a:stretch>
-            <a:fillRect/>
-          </a:stretch>
-        </p:blipFill>
-        <p:spPr>
-          <a:xfrm>
-            <a:off x="5965744" y="1045402"/>
-            <a:ext cx="5165676" cy="5165676"/>
-          </a:xfrm>
-        </p:spPr>
-      </p:pic>
+          </a:p>
+        </p:txBody>
+      </p:sp>
       <p:sp>
         <p:nvSpPr>
           <p:cNvPr id="5" name="TextBox 4"/>
@@ -12698,7 +14463,7 @@
           <a:lstStyle/>
           <a:p>
             <a:r>
-              <a:rPr lang="en-GB" dirty="0" smtClean="0"/>
+              <a:rPr lang="en-GB" dirty="0"/>
               <a:t>“The subtle but persistent feeling of being out of place.”</a:t>
             </a:r>
           </a:p>
@@ -12706,20 +14471,27 @@
             <a:endParaRPr lang="en-GB" dirty="0"/>
           </a:p>
           <a:p>
-            <a:endParaRPr lang="en-GB" dirty="0" smtClean="0"/>
+            <a:endParaRPr lang="en-GB" dirty="0"/>
           </a:p>
         </p:txBody>
       </p:sp>
     </p:spTree>
     <p:extLst>
       <p:ext uri="{BB962C8B-B14F-4D97-AF65-F5344CB8AC3E}">
-        <p14:creationId xmlns:p14="http://schemas.microsoft.com/office/powerpoint/2010/main" val="250094295"/>
+        <p14:creationId xmlns="" xmlns:p14="http://schemas.microsoft.com/office/powerpoint/2010/main" val="250094295"/>
       </p:ext>
     </p:extLst>
   </p:cSld>
   <p:clrMapOvr>
     <a:masterClrMapping/>
   </p:clrMapOvr>
+  <p:timing>
+    <p:tnLst>
+      <p:par>
+        <p:cTn id="1" dur="indefinite" restart="never" nodeType="tmRoot"/>
+      </p:par>
+    </p:tnLst>
+  </p:timing>
 </p:sld>
 </file>
 
@@ -12756,8 +14528,8 @@
           <a:lstStyle/>
           <a:p>
             <a:r>
-              <a:rPr lang="en-GB" smtClean="0"/>
-              <a:t>Second word?</a:t>
+              <a:rPr lang="en-GB" b="1" dirty="0" err="1"/>
+              <a:t>Rückkehrunruhe</a:t>
             </a:r>
             <a:endParaRPr lang="en-GB" dirty="0"/>
           </a:p>
@@ -12773,25 +14545,45 @@
             <p:ph idx="1"/>
           </p:nvPr>
         </p:nvSpPr>
-        <p:spPr/>
-        <p:txBody>
-          <a:bodyPr/>
+        <p:spPr>
+          <a:xfrm>
+            <a:off x="1141413" y="1729369"/>
+            <a:ext cx="4697326" cy="1500392"/>
+          </a:xfrm>
+        </p:spPr>
+        <p:txBody>
+          <a:bodyPr>
+            <a:normAutofit/>
+          </a:bodyPr>
           <a:lstStyle/>
           <a:p>
-            <a:endParaRPr lang="en-GB"/>
+            <a:pPr marL="0" indent="0">
+              <a:buNone/>
+            </a:pPr>
+            <a:r>
+              <a:rPr lang="en-GB" sz="1800" dirty="0"/>
+              <a:t>“The feeling of returning home after an immersive trip only to find it fading rapidly from your awareness. ”</a:t>
+            </a:r>
           </a:p>
         </p:txBody>
       </p:sp>
     </p:spTree>
     <p:extLst>
       <p:ext uri="{BB962C8B-B14F-4D97-AF65-F5344CB8AC3E}">
-        <p14:creationId xmlns:p14="http://schemas.microsoft.com/office/powerpoint/2010/main" val="1503992643"/>
+        <p14:creationId xmlns="" xmlns:p14="http://schemas.microsoft.com/office/powerpoint/2010/main" val="1503992643"/>
       </p:ext>
     </p:extLst>
   </p:cSld>
   <p:clrMapOvr>
     <a:masterClrMapping/>
   </p:clrMapOvr>
+  <p:timing>
+    <p:tnLst>
+      <p:par>
+        <p:cTn id="1" dur="indefinite" restart="never" nodeType="tmRoot"/>
+      </p:par>
+    </p:tnLst>
+  </p:timing>
 </p:sld>
 </file>
 
@@ -12822,7 +14614,12 @@
             <p:ph type="title"/>
           </p:nvPr>
         </p:nvSpPr>
-        <p:spPr/>
+        <p:spPr>
+          <a:xfrm>
+            <a:off x="1141412" y="618518"/>
+            <a:ext cx="9905998" cy="1478570"/>
+          </a:xfrm>
+        </p:spPr>
         <p:txBody>
           <a:bodyPr/>
           <a:lstStyle/>
@@ -12831,39 +14628,86 @@
               <a:rPr lang="en-GB" dirty="0"/>
               <a:t>The iterations throughout the sprints</a:t>
             </a:r>
-            <a:endParaRPr lang="en-GB" dirty="0"/>
-          </a:p>
-        </p:txBody>
-      </p:sp>
-      <p:sp>
-        <p:nvSpPr>
-          <p:cNvPr id="3" name="Content Placeholder 2"/>
-          <p:cNvSpPr>
-            <a:spLocks noGrp="1"/>
-          </p:cNvSpPr>
-          <p:nvPr>
-            <p:ph idx="1"/>
-          </p:nvPr>
-        </p:nvSpPr>
-        <p:spPr/>
-        <p:txBody>
-          <a:bodyPr/>
-          <a:lstStyle/>
-          <a:p>
-            <a:endParaRPr lang="en-GB" dirty="0"/>
-          </a:p>
-        </p:txBody>
-      </p:sp>
+          </a:p>
+        </p:txBody>
+      </p:sp>
+      <p:pic>
+        <p:nvPicPr>
+          <p:cNvPr id="4" name="Picture 3"/>
+          <p:cNvPicPr>
+            <a:picLocks noChangeAspect="1"/>
+          </p:cNvPicPr>
+          <p:nvPr/>
+        </p:nvPicPr>
+        <p:blipFill>
+          <a:blip r:embed="rId3">
+            <a:extLst>
+              <a:ext uri="{28A0092B-C50C-407E-A947-70E740481C1C}">
+                <a14:useLocalDpi xmlns="" xmlns:a14="http://schemas.microsoft.com/office/drawing/2010/main" val="0"/>
+              </a:ext>
+            </a:extLst>
+          </a:blip>
+          <a:stretch>
+            <a:fillRect/>
+          </a:stretch>
+        </p:blipFill>
+        <p:spPr>
+          <a:xfrm>
+            <a:off x="766280" y="1624931"/>
+            <a:ext cx="5059166" cy="5059166"/>
+          </a:xfrm>
+          <a:prstGeom prst="rect">
+            <a:avLst/>
+          </a:prstGeom>
+        </p:spPr>
+      </p:pic>
+      <p:pic>
+        <p:nvPicPr>
+          <p:cNvPr id="6" name="Picture 5"/>
+          <p:cNvPicPr>
+            <a:picLocks noChangeAspect="1"/>
+          </p:cNvPicPr>
+          <p:nvPr/>
+        </p:nvPicPr>
+        <p:blipFill>
+          <a:blip r:embed="rId4">
+            <a:extLst>
+              <a:ext uri="{28A0092B-C50C-407E-A947-70E740481C1C}">
+                <a14:useLocalDpi xmlns="" xmlns:a14="http://schemas.microsoft.com/office/drawing/2010/main" val="0"/>
+              </a:ext>
+            </a:extLst>
+          </a:blip>
+          <a:stretch>
+            <a:fillRect/>
+          </a:stretch>
+        </p:blipFill>
+        <p:spPr>
+          <a:xfrm>
+            <a:off x="6173607" y="2537717"/>
+            <a:ext cx="5137078" cy="2568539"/>
+          </a:xfrm>
+          <a:prstGeom prst="rect">
+            <a:avLst/>
+          </a:prstGeom>
+        </p:spPr>
+      </p:pic>
     </p:spTree>
     <p:extLst>
       <p:ext uri="{BB962C8B-B14F-4D97-AF65-F5344CB8AC3E}">
-        <p14:creationId xmlns:p14="http://schemas.microsoft.com/office/powerpoint/2010/main" val="1143584493"/>
+        <p14:creationId xmlns="" xmlns:p14="http://schemas.microsoft.com/office/powerpoint/2010/main" val="1143584493"/>
       </p:ext>
     </p:extLst>
   </p:cSld>
   <p:clrMapOvr>
     <a:masterClrMapping/>
   </p:clrMapOvr>
+  <p:timing>
+    <p:tnLst>
+      <p:par>
+        <p:cTn id="1" dur="indefinite" restart="never" nodeType="tmRoot"/>
+      </p:par>
+    </p:tnLst>
+  </p:timing>
 </p:sld>
 </file>
 
@@ -12900,42 +14744,118 @@
           <a:lstStyle/>
           <a:p>
             <a:r>
-              <a:rPr lang="en-GB" dirty="0" smtClean="0"/>
+              <a:rPr lang="en-GB" dirty="0"/>
               <a:t>Artwork</a:t>
             </a:r>
-            <a:endParaRPr lang="en-GB" dirty="0"/>
-          </a:p>
-        </p:txBody>
-      </p:sp>
-      <p:sp>
-        <p:nvSpPr>
-          <p:cNvPr id="5" name="Content Placeholder 4"/>
-          <p:cNvSpPr>
-            <a:spLocks noGrp="1"/>
-          </p:cNvSpPr>
+          </a:p>
+        </p:txBody>
+      </p:sp>
+      <p:pic>
+        <p:nvPicPr>
+          <p:cNvPr id="3" name="Content Placeholder 2"/>
+          <p:cNvPicPr>
+            <a:picLocks noGrp="1" noChangeAspect="1"/>
+          </p:cNvPicPr>
           <p:nvPr>
             <p:ph idx="1"/>
           </p:nvPr>
-        </p:nvSpPr>
-        <p:spPr/>
-        <p:txBody>
-          <a:bodyPr/>
-          <a:lstStyle/>
-          <a:p>
-            <a:endParaRPr lang="en-GB" dirty="0"/>
-          </a:p>
-        </p:txBody>
-      </p:sp>
+        </p:nvPicPr>
+        <p:blipFill>
+          <a:blip r:embed="rId3">
+            <a:extLst>
+              <a:ext uri="{28A0092B-C50C-407E-A947-70E740481C1C}">
+                <a14:useLocalDpi xmlns="" xmlns:a14="http://schemas.microsoft.com/office/drawing/2010/main" val="0"/>
+              </a:ext>
+            </a:extLst>
+          </a:blip>
+          <a:stretch>
+            <a:fillRect/>
+          </a:stretch>
+        </p:blipFill>
+        <p:spPr>
+          <a:xfrm>
+            <a:off x="1141413" y="2262021"/>
+            <a:ext cx="6242317" cy="3121158"/>
+          </a:xfrm>
+        </p:spPr>
+      </p:pic>
+      <p:pic>
+        <p:nvPicPr>
+          <p:cNvPr id="4" name="Picture 3"/>
+          <p:cNvPicPr>
+            <a:picLocks noChangeAspect="1"/>
+          </p:cNvPicPr>
+          <p:nvPr/>
+        </p:nvPicPr>
+        <p:blipFill>
+          <a:blip r:embed="rId4">
+            <a:extLst>
+              <a:ext uri="{28A0092B-C50C-407E-A947-70E740481C1C}">
+                <a14:useLocalDpi xmlns="" xmlns:a14="http://schemas.microsoft.com/office/drawing/2010/main" val="0"/>
+              </a:ext>
+            </a:extLst>
+          </a:blip>
+          <a:stretch>
+            <a:fillRect/>
+          </a:stretch>
+        </p:blipFill>
+        <p:spPr>
+          <a:xfrm>
+            <a:off x="7383730" y="2877377"/>
+            <a:ext cx="3268038" cy="3268038"/>
+          </a:xfrm>
+          <a:prstGeom prst="rect">
+            <a:avLst/>
+          </a:prstGeom>
+        </p:spPr>
+      </p:pic>
+      <p:pic>
+        <p:nvPicPr>
+          <p:cNvPr id="6" name="Picture 5"/>
+          <p:cNvPicPr>
+            <a:picLocks noChangeAspect="1"/>
+          </p:cNvPicPr>
+          <p:nvPr/>
+        </p:nvPicPr>
+        <p:blipFill>
+          <a:blip r:embed="rId5">
+            <a:extLst>
+              <a:ext uri="{28A0092B-C50C-407E-A947-70E740481C1C}">
+                <a14:useLocalDpi xmlns="" xmlns:a14="http://schemas.microsoft.com/office/drawing/2010/main" val="0"/>
+              </a:ext>
+            </a:extLst>
+          </a:blip>
+          <a:stretch>
+            <a:fillRect/>
+          </a:stretch>
+        </p:blipFill>
+        <p:spPr>
+          <a:xfrm>
+            <a:off x="7966442" y="1932154"/>
+            <a:ext cx="1560579" cy="1560579"/>
+          </a:xfrm>
+          <a:prstGeom prst="rect">
+            <a:avLst/>
+          </a:prstGeom>
+        </p:spPr>
+      </p:pic>
     </p:spTree>
     <p:extLst>
       <p:ext uri="{BB962C8B-B14F-4D97-AF65-F5344CB8AC3E}">
-        <p14:creationId xmlns:p14="http://schemas.microsoft.com/office/powerpoint/2010/main" val="2254293586"/>
+        <p14:creationId xmlns="" xmlns:p14="http://schemas.microsoft.com/office/powerpoint/2010/main" val="2254293586"/>
       </p:ext>
     </p:extLst>
   </p:cSld>
   <p:clrMapOvr>
     <a:masterClrMapping/>
   </p:clrMapOvr>
+  <p:timing>
+    <p:tnLst>
+      <p:par>
+        <p:cTn id="1" dur="indefinite" restart="never" nodeType="tmRoot"/>
+      </p:par>
+    </p:tnLst>
+  </p:timing>
 </p:sld>
 </file>
 
@@ -12966,29 +14886,41 @@
             <p:ph type="title"/>
           </p:nvPr>
         </p:nvSpPr>
-        <p:spPr/>
+        <p:spPr>
+          <a:xfrm>
+            <a:off x="1172233" y="2417534"/>
+            <a:ext cx="8711505" cy="1478570"/>
+          </a:xfrm>
+        </p:spPr>
         <p:txBody>
           <a:bodyPr/>
           <a:lstStyle/>
           <a:p>
+            <a:pPr algn="ctr"/>
             <a:r>
-              <a:rPr lang="en-GB" dirty="0" smtClean="0"/>
-              <a:t>Code and the game</a:t>
+              <a:rPr lang="en-GB" dirty="0"/>
+              <a:t>Prototype</a:t>
             </a:r>
-            <a:endParaRPr lang="en-GB" dirty="0"/>
           </a:p>
         </p:txBody>
       </p:sp>
     </p:spTree>
     <p:extLst>
       <p:ext uri="{BB962C8B-B14F-4D97-AF65-F5344CB8AC3E}">
-        <p14:creationId xmlns:p14="http://schemas.microsoft.com/office/powerpoint/2010/main" val="3168928715"/>
+        <p14:creationId xmlns="" xmlns:p14="http://schemas.microsoft.com/office/powerpoint/2010/main" val="3168928715"/>
       </p:ext>
     </p:extLst>
   </p:cSld>
   <p:clrMapOvr>
     <a:masterClrMapping/>
   </p:clrMapOvr>
+  <p:timing>
+    <p:tnLst>
+      <p:par>
+        <p:cTn id="1" dur="indefinite" restart="never" nodeType="tmRoot"/>
+      </p:par>
+    </p:tnLst>
+  </p:timing>
 </p:sld>
 </file>
 
@@ -13028,7 +14960,6 @@
               <a:rPr lang="en-GB" dirty="0"/>
               <a:t>Future plans</a:t>
             </a:r>
-            <a:endParaRPr lang="en-GB" dirty="0"/>
           </a:p>
         </p:txBody>
       </p:sp>
@@ -13047,20 +14978,39 @@
           <a:bodyPr/>
           <a:lstStyle/>
           <a:p>
-            <a:endParaRPr lang="en-GB"/>
+            <a:r>
+              <a:rPr lang="en-GB" dirty="0"/>
+              <a:t>Fix code</a:t>
+            </a:r>
+          </a:p>
+          <a:p>
+            <a:r>
+              <a:rPr lang="en-GB" dirty="0"/>
+              <a:t>Next Room</a:t>
+            </a:r>
+          </a:p>
+          <a:p>
+            <a:endParaRPr lang="en-GB" dirty="0"/>
           </a:p>
         </p:txBody>
       </p:sp>
     </p:spTree>
     <p:extLst>
       <p:ext uri="{BB962C8B-B14F-4D97-AF65-F5344CB8AC3E}">
-        <p14:creationId xmlns:p14="http://schemas.microsoft.com/office/powerpoint/2010/main" val="2931563744"/>
+        <p14:creationId xmlns="" xmlns:p14="http://schemas.microsoft.com/office/powerpoint/2010/main" val="2931563744"/>
       </p:ext>
     </p:extLst>
   </p:cSld>
   <p:clrMapOvr>
     <a:masterClrMapping/>
   </p:clrMapOvr>
+  <p:timing>
+    <p:tnLst>
+      <p:par>
+        <p:cTn id="1" dur="indefinite" restart="never" nodeType="tmRoot"/>
+      </p:par>
+    </p:tnLst>
+  </p:timing>
 </p:sld>
 </file>
 
@@ -13091,42 +15041,59 @@
             <p:ph type="title"/>
           </p:nvPr>
         </p:nvSpPr>
-        <p:spPr/>
-        <p:txBody>
-          <a:bodyPr/>
+        <p:spPr>
+          <a:xfrm>
+            <a:off x="1141413" y="618518"/>
+            <a:ext cx="9245760" cy="809590"/>
+          </a:xfrm>
+        </p:spPr>
+        <p:txBody>
+          <a:bodyPr>
+            <a:normAutofit fontScale="90000"/>
+          </a:bodyPr>
           <a:lstStyle/>
           <a:p>
             <a:r>
               <a:rPr lang="en-GB" dirty="0"/>
-              <a:t>Graphs for hours done</a:t>
+              <a:t>Upload days</a:t>
             </a:r>
+            <a:br>
+              <a:rPr lang="en-GB" dirty="0"/>
+            </a:br>
             <a:endParaRPr lang="en-GB" dirty="0"/>
           </a:p>
         </p:txBody>
       </p:sp>
-      <p:sp>
-        <p:nvSpPr>
-          <p:cNvPr id="3" name="Content Placeholder 2"/>
-          <p:cNvSpPr>
-            <a:spLocks noGrp="1"/>
-          </p:cNvSpPr>
-          <p:nvPr>
-            <p:ph idx="1"/>
-          </p:nvPr>
-        </p:nvSpPr>
-        <p:spPr/>
-        <p:txBody>
-          <a:bodyPr/>
-          <a:lstStyle/>
-          <a:p>
-            <a:endParaRPr lang="en-GB"/>
-          </a:p>
-        </p:txBody>
-      </p:sp>
+      <p:graphicFrame>
+        <p:nvGraphicFramePr>
+          <p:cNvPr id="4" name="Object 3"/>
+          <p:cNvGraphicFramePr>
+            <a:graphicFrameLocks noChangeAspect="1"/>
+          </p:cNvGraphicFramePr>
+          <p:nvPr>
+            <p:extLst>
+              <p:ext uri="{D42A27DB-BD31-4B8C-83A1-F6EECF244321}">
+                <p14:modId xmlns="" xmlns:p14="http://schemas.microsoft.com/office/powerpoint/2010/main" val="3114107956"/>
+              </p:ext>
+            </p:extLst>
+          </p:nvPr>
+        </p:nvGraphicFramePr>
+        <p:xfrm>
+          <a:off x="1274977" y="1520574"/>
+          <a:ext cx="9905998" cy="5001654"/>
+        </p:xfrm>
+        <a:graphic>
+          <a:graphicData uri="http://schemas.openxmlformats.org/presentationml/2006/ole">
+            <p:oleObj spid="_x0000_s2053" name="Image" r:id="rId4" imgW="12926984" imgH="6526984" progId="Photoshop.Image.16">
+              <p:embed/>
+            </p:oleObj>
+          </a:graphicData>
+        </a:graphic>
+      </p:graphicFrame>
     </p:spTree>
     <p:extLst>
       <p:ext uri="{BB962C8B-B14F-4D97-AF65-F5344CB8AC3E}">
-        <p14:creationId xmlns:p14="http://schemas.microsoft.com/office/powerpoint/2010/main" val="4185300400"/>
+        <p14:creationId xmlns="" xmlns:p14="http://schemas.microsoft.com/office/powerpoint/2010/main" val="389674651"/>
       </p:ext>
     </p:extLst>
   </p:cSld>
@@ -13179,7 +15146,7 @@
     </a:clrScheme>
     <a:fontScheme name="Circuit">
       <a:majorFont>
-        <a:latin typeface="Tw Cen MT" panose="020B0602020104020603"/>
+        <a:latin typeface="Tw Cen MT"/>
         <a:ea typeface=""/>
         <a:cs typeface=""/>
         <a:font script="Jpan" typeface="ＭＳ Ｐゴシック"/>
@@ -13214,7 +15181,7 @@
         <a:font script="Geor" typeface="Sylfaen"/>
       </a:majorFont>
       <a:minorFont>
-        <a:latin typeface="Tw Cen MT" panose="020B0602020104020603"/>
+        <a:latin typeface="Tw Cen MT"/>
         <a:ea typeface=""/>
         <a:cs typeface=""/>
         <a:font script="Jpan" typeface="ＭＳ Ｐゴシック"/>
@@ -13381,7 +15348,302 @@
   <a:extraClrSchemeLst/>
   <a:extLst>
     <a:ext uri="{05A4C25C-085E-4340-85A3-A5531E510DB2}">
-      <thm15:themeFamily xmlns:thm15="http://schemas.microsoft.com/office/thememl/2012/main" name="Circuit" id="{0AC2F7E7-15F5-431C-B2A2-456FE929F56C}" vid="{142578CA-DEC9-49C3-80AF-C113973CC9A9}"/>
+      <thm15:themeFamily xmlns="" xmlns:thm15="http://schemas.microsoft.com/office/thememl/2012/main" name="Circuit" id="{0AC2F7E7-15F5-431C-B2A2-456FE929F56C}" vid="{142578CA-DEC9-49C3-80AF-C113973CC9A9}"/>
+    </a:ext>
+  </a:extLst>
+</a:theme>
+</file>
+
+<file path=ppt/theme/theme2.xml><?xml version="1.0" encoding="utf-8"?>
+<a:theme xmlns:a="http://schemas.openxmlformats.org/drawingml/2006/main" name="Office Theme">
+  <a:themeElements>
+    <a:clrScheme name="Office">
+      <a:dk1>
+        <a:sysClr val="windowText" lastClr="000000"/>
+      </a:dk1>
+      <a:lt1>
+        <a:sysClr val="window" lastClr="FFFFFF"/>
+      </a:lt1>
+      <a:dk2>
+        <a:srgbClr val="44546A"/>
+      </a:dk2>
+      <a:lt2>
+        <a:srgbClr val="E7E6E6"/>
+      </a:lt2>
+      <a:accent1>
+        <a:srgbClr val="5B9BD5"/>
+      </a:accent1>
+      <a:accent2>
+        <a:srgbClr val="ED7D31"/>
+      </a:accent2>
+      <a:accent3>
+        <a:srgbClr val="A5A5A5"/>
+      </a:accent3>
+      <a:accent4>
+        <a:srgbClr val="FFC000"/>
+      </a:accent4>
+      <a:accent5>
+        <a:srgbClr val="4472C4"/>
+      </a:accent5>
+      <a:accent6>
+        <a:srgbClr val="70AD47"/>
+      </a:accent6>
+      <a:hlink>
+        <a:srgbClr val="0563C1"/>
+      </a:hlink>
+      <a:folHlink>
+        <a:srgbClr val="954F72"/>
+      </a:folHlink>
+    </a:clrScheme>
+    <a:fontScheme name="Office">
+      <a:majorFont>
+        <a:latin typeface="Calibri Light"/>
+        <a:ea typeface=""/>
+        <a:cs typeface=""/>
+        <a:font script="Jpan" typeface="游ゴシック Light"/>
+        <a:font script="Hang" typeface="맑은 고딕"/>
+        <a:font script="Hans" typeface="等线 Light"/>
+        <a:font script="Hant" typeface="新細明體"/>
+        <a:font script="Arab" typeface="Times New Roman"/>
+        <a:font script="Hebr" typeface="Times New Roman"/>
+        <a:font script="Thai" typeface="Angsana New"/>
+        <a:font script="Ethi" typeface="Nyala"/>
+        <a:font script="Beng" typeface="Vrinda"/>
+        <a:font script="Gujr" typeface="Shruti"/>
+        <a:font script="Khmr" typeface="MoolBoran"/>
+        <a:font script="Knda" typeface="Tunga"/>
+        <a:font script="Guru" typeface="Raavi"/>
+        <a:font script="Cans" typeface="Euphemia"/>
+        <a:font script="Cher" typeface="Plantagenet Cherokee"/>
+        <a:font script="Yiii" typeface="Microsoft Yi Baiti"/>
+        <a:font script="Tibt" typeface="Microsoft Himalaya"/>
+        <a:font script="Thaa" typeface="MV Boli"/>
+        <a:font script="Deva" typeface="Mangal"/>
+        <a:font script="Telu" typeface="Gautami"/>
+        <a:font script="Taml" typeface="Latha"/>
+        <a:font script="Syrc" typeface="Estrangelo Edessa"/>
+        <a:font script="Orya" typeface="Kalinga"/>
+        <a:font script="Mlym" typeface="Kartika"/>
+        <a:font script="Laoo" typeface="DokChampa"/>
+        <a:font script="Sinh" typeface="Iskoola Pota"/>
+        <a:font script="Mong" typeface="Mongolian Baiti"/>
+        <a:font script="Viet" typeface="Times New Roman"/>
+        <a:font script="Uigh" typeface="Microsoft Uighur"/>
+        <a:font script="Geor" typeface="Sylfaen"/>
+        <a:font script="Armn" typeface="Arial"/>
+        <a:font script="Bugi" typeface="Leelawadee UI"/>
+        <a:font script="Bopo" typeface="Microsoft JhengHei"/>
+        <a:font script="Java" typeface="Javanese Text"/>
+        <a:font script="Lisu" typeface="Segoe UI"/>
+        <a:font script="Mymr" typeface="Myanmar Text"/>
+        <a:font script="Nkoo" typeface="Ebrima"/>
+        <a:font script="Olck" typeface="Nirmala UI"/>
+        <a:font script="Osma" typeface="Ebrima"/>
+        <a:font script="Phag" typeface="Phagspa"/>
+        <a:font script="Syrn" typeface="Estrangelo Edessa"/>
+        <a:font script="Syrj" typeface="Estrangelo Edessa"/>
+        <a:font script="Syre" typeface="Estrangelo Edessa"/>
+        <a:font script="Sora" typeface="Nirmala UI"/>
+        <a:font script="Tale" typeface="Microsoft Tai Le"/>
+        <a:font script="Talu" typeface="Microsoft New Tai Lue"/>
+        <a:font script="Tfng" typeface="Ebrima"/>
+      </a:majorFont>
+      <a:minorFont>
+        <a:latin typeface="Calibri"/>
+        <a:ea typeface=""/>
+        <a:cs typeface=""/>
+        <a:font script="Jpan" typeface="游ゴシック"/>
+        <a:font script="Hang" typeface="맑은 고딕"/>
+        <a:font script="Hans" typeface="等线"/>
+        <a:font script="Hant" typeface="新細明體"/>
+        <a:font script="Arab" typeface="Arial"/>
+        <a:font script="Hebr" typeface="Arial"/>
+        <a:font script="Thai" typeface="Cordia New"/>
+        <a:font script="Ethi" typeface="Nyala"/>
+        <a:font script="Beng" typeface="Vrinda"/>
+        <a:font script="Gujr" typeface="Shruti"/>
+        <a:font script="Khmr" typeface="DaunPenh"/>
+        <a:font script="Knda" typeface="Tunga"/>
+        <a:font script="Guru" typeface="Raavi"/>
+        <a:font script="Cans" typeface="Euphemia"/>
+        <a:font script="Cher" typeface="Plantagenet Cherokee"/>
+        <a:font script="Yiii" typeface="Microsoft Yi Baiti"/>
+        <a:font script="Tibt" typeface="Microsoft Himalaya"/>
+        <a:font script="Thaa" typeface="MV Boli"/>
+        <a:font script="Deva" typeface="Mangal"/>
+        <a:font script="Telu" typeface="Gautami"/>
+        <a:font script="Taml" typeface="Latha"/>
+        <a:font script="Syrc" typeface="Estrangelo Edessa"/>
+        <a:font script="Orya" typeface="Kalinga"/>
+        <a:font script="Mlym" typeface="Kartika"/>
+        <a:font script="Laoo" typeface="DokChampa"/>
+        <a:font script="Sinh" typeface="Iskoola Pota"/>
+        <a:font script="Mong" typeface="Mongolian Baiti"/>
+        <a:font script="Viet" typeface="Arial"/>
+        <a:font script="Uigh" typeface="Microsoft Uighur"/>
+        <a:font script="Geor" typeface="Sylfaen"/>
+        <a:font script="Armn" typeface="Arial"/>
+        <a:font script="Bugi" typeface="Leelawadee UI"/>
+        <a:font script="Bopo" typeface="Microsoft JhengHei"/>
+        <a:font script="Java" typeface="Javanese Text"/>
+        <a:font script="Lisu" typeface="Segoe UI"/>
+        <a:font script="Mymr" typeface="Myanmar Text"/>
+        <a:font script="Nkoo" typeface="Ebrima"/>
+        <a:font script="Olck" typeface="Nirmala UI"/>
+        <a:font script="Osma" typeface="Ebrima"/>
+        <a:font script="Phag" typeface="Phagspa"/>
+        <a:font script="Syrn" typeface="Estrangelo Edessa"/>
+        <a:font script="Syrj" typeface="Estrangelo Edessa"/>
+        <a:font script="Syre" typeface="Estrangelo Edessa"/>
+        <a:font script="Sora" typeface="Nirmala UI"/>
+        <a:font script="Tale" typeface="Microsoft Tai Le"/>
+        <a:font script="Talu" typeface="Microsoft New Tai Lue"/>
+        <a:font script="Tfng" typeface="Ebrima"/>
+      </a:minorFont>
+    </a:fontScheme>
+    <a:fmtScheme name="Office">
+      <a:fillStyleLst>
+        <a:solidFill>
+          <a:schemeClr val="phClr"/>
+        </a:solidFill>
+        <a:gradFill rotWithShape="1">
+          <a:gsLst>
+            <a:gs pos="0">
+              <a:schemeClr val="phClr">
+                <a:lumMod val="110000"/>
+                <a:satMod val="105000"/>
+                <a:tint val="67000"/>
+              </a:schemeClr>
+            </a:gs>
+            <a:gs pos="50000">
+              <a:schemeClr val="phClr">
+                <a:lumMod val="105000"/>
+                <a:satMod val="103000"/>
+                <a:tint val="73000"/>
+              </a:schemeClr>
+            </a:gs>
+            <a:gs pos="100000">
+              <a:schemeClr val="phClr">
+                <a:lumMod val="105000"/>
+                <a:satMod val="109000"/>
+                <a:tint val="81000"/>
+              </a:schemeClr>
+            </a:gs>
+          </a:gsLst>
+          <a:lin ang="5400000" scaled="0"/>
+        </a:gradFill>
+        <a:gradFill rotWithShape="1">
+          <a:gsLst>
+            <a:gs pos="0">
+              <a:schemeClr val="phClr">
+                <a:satMod val="103000"/>
+                <a:lumMod val="102000"/>
+                <a:tint val="94000"/>
+              </a:schemeClr>
+            </a:gs>
+            <a:gs pos="50000">
+              <a:schemeClr val="phClr">
+                <a:satMod val="110000"/>
+                <a:lumMod val="100000"/>
+                <a:shade val="100000"/>
+              </a:schemeClr>
+            </a:gs>
+            <a:gs pos="100000">
+              <a:schemeClr val="phClr">
+                <a:lumMod val="99000"/>
+                <a:satMod val="120000"/>
+                <a:shade val="78000"/>
+              </a:schemeClr>
+            </a:gs>
+          </a:gsLst>
+          <a:lin ang="5400000" scaled="0"/>
+        </a:gradFill>
+      </a:fillStyleLst>
+      <a:lnStyleLst>
+        <a:ln w="6350" cap="flat" cmpd="sng" algn="ctr">
+          <a:solidFill>
+            <a:schemeClr val="phClr"/>
+          </a:solidFill>
+          <a:prstDash val="solid"/>
+          <a:miter lim="800000"/>
+        </a:ln>
+        <a:ln w="12700" cap="flat" cmpd="sng" algn="ctr">
+          <a:solidFill>
+            <a:schemeClr val="phClr"/>
+          </a:solidFill>
+          <a:prstDash val="solid"/>
+          <a:miter lim="800000"/>
+        </a:ln>
+        <a:ln w="19050" cap="flat" cmpd="sng" algn="ctr">
+          <a:solidFill>
+            <a:schemeClr val="phClr"/>
+          </a:solidFill>
+          <a:prstDash val="solid"/>
+          <a:miter lim="800000"/>
+        </a:ln>
+      </a:lnStyleLst>
+      <a:effectStyleLst>
+        <a:effectStyle>
+          <a:effectLst/>
+        </a:effectStyle>
+        <a:effectStyle>
+          <a:effectLst/>
+        </a:effectStyle>
+        <a:effectStyle>
+          <a:effectLst>
+            <a:outerShdw blurRad="57150" dist="19050" dir="5400000" algn="ctr" rotWithShape="0">
+              <a:srgbClr val="000000">
+                <a:alpha val="63000"/>
+              </a:srgbClr>
+            </a:outerShdw>
+          </a:effectLst>
+        </a:effectStyle>
+      </a:effectStyleLst>
+      <a:bgFillStyleLst>
+        <a:solidFill>
+          <a:schemeClr val="phClr"/>
+        </a:solidFill>
+        <a:solidFill>
+          <a:schemeClr val="phClr">
+            <a:tint val="95000"/>
+            <a:satMod val="170000"/>
+          </a:schemeClr>
+        </a:solidFill>
+        <a:gradFill rotWithShape="1">
+          <a:gsLst>
+            <a:gs pos="0">
+              <a:schemeClr val="phClr">
+                <a:tint val="93000"/>
+                <a:satMod val="150000"/>
+                <a:shade val="98000"/>
+                <a:lumMod val="102000"/>
+              </a:schemeClr>
+            </a:gs>
+            <a:gs pos="50000">
+              <a:schemeClr val="phClr">
+                <a:tint val="98000"/>
+                <a:satMod val="130000"/>
+                <a:shade val="90000"/>
+                <a:lumMod val="103000"/>
+              </a:schemeClr>
+            </a:gs>
+            <a:gs pos="100000">
+              <a:schemeClr val="phClr">
+                <a:shade val="63000"/>
+                <a:satMod val="120000"/>
+              </a:schemeClr>
+            </a:gs>
+          </a:gsLst>
+          <a:lin ang="5400000" scaled="0"/>
+        </a:gradFill>
+      </a:bgFillStyleLst>
+    </a:fmtScheme>
+  </a:themeElements>
+  <a:objectDefaults/>
+  <a:extraClrSchemeLst/>
+  <a:extLst>
+    <a:ext uri="{05A4C25C-085E-4340-85A3-A5531E510DB2}">
+      <thm15:themeFamily xmlns="" xmlns:thm15="http://schemas.microsoft.com/office/thememl/2012/main" name="Office Theme" id="{62F939B6-93AF-4DB8-9C6B-D6C7DFDC589F}" vid="{4A3C46E8-61CC-4603-A589-7422A47A8E4A}"/>
     </a:ext>
   </a:extLst>
 </a:theme>
